--- a/Topic A Understanding Computers/A.4 Lesson - Types Of Malware.pptx
+++ b/Topic A Understanding Computers/A.4 Lesson - Types Of Malware.pptx
@@ -5,13 +5,19 @@
     <p:sldMasterId id="2147483648" r:id="rId1"/>
   </p:sldMasterIdLst>
   <p:notesMasterIdLst>
-    <p:notesMasterId r:id="rId6"/>
+    <p:notesMasterId r:id="rId12"/>
   </p:notesMasterIdLst>
   <p:sldIdLst>
     <p:sldId id="259" r:id="rId2"/>
     <p:sldId id="260" r:id="rId3"/>
     <p:sldId id="261" r:id="rId4"/>
     <p:sldId id="262" r:id="rId5"/>
+    <p:sldId id="263" r:id="rId6"/>
+    <p:sldId id="265" r:id="rId7"/>
+    <p:sldId id="266" r:id="rId8"/>
+    <p:sldId id="268" r:id="rId9"/>
+    <p:sldId id="264" r:id="rId10"/>
+    <p:sldId id="267" r:id="rId11"/>
   </p:sldIdLst>
   <p:sldSz cx="9144000" cy="6858000" type="screen4x3"/>
   <p:notesSz cx="6858000" cy="9144000"/>
@@ -211,7 +217,7 @@
           <a:p>
             <a:fld id="{02927826-3378-4ECF-BA4E-36C71D5ECCFE}" type="datetimeFigureOut">
               <a:rPr lang="en-US" smtClean="0"/>
-              <a:t>11/11/2019</a:t>
+              <a:t>11/12/2019</a:t>
             </a:fld>
             <a:endParaRPr lang="en-US"/>
           </a:p>
@@ -659,7 +665,7 @@
             <a:fld id="{1D8BD707-D9CF-40AE-B4C6-C98DA3205C09}" type="datetimeFigureOut">
               <a:rPr lang="en-US" smtClean="0"/>
               <a:pPr/>
-              <a:t>11/11/2019</a:t>
+              <a:t>11/12/2019</a:t>
             </a:fld>
             <a:endParaRPr lang="en-US"/>
           </a:p>
@@ -824,7 +830,7 @@
             <a:fld id="{1D8BD707-D9CF-40AE-B4C6-C98DA3205C09}" type="datetimeFigureOut">
               <a:rPr lang="en-US" smtClean="0"/>
               <a:pPr/>
-              <a:t>11/11/2019</a:t>
+              <a:t>11/12/2019</a:t>
             </a:fld>
             <a:endParaRPr lang="en-US"/>
           </a:p>
@@ -999,7 +1005,7 @@
             <a:fld id="{1D8BD707-D9CF-40AE-B4C6-C98DA3205C09}" type="datetimeFigureOut">
               <a:rPr lang="en-US" smtClean="0"/>
               <a:pPr/>
-              <a:t>11/11/2019</a:t>
+              <a:t>11/12/2019</a:t>
             </a:fld>
             <a:endParaRPr lang="en-US"/>
           </a:p>
@@ -1164,7 +1170,7 @@
             <a:fld id="{1D8BD707-D9CF-40AE-B4C6-C98DA3205C09}" type="datetimeFigureOut">
               <a:rPr lang="en-US" smtClean="0"/>
               <a:pPr/>
-              <a:t>11/11/2019</a:t>
+              <a:t>11/12/2019</a:t>
             </a:fld>
             <a:endParaRPr lang="en-US"/>
           </a:p>
@@ -1406,7 +1412,7 @@
             <a:fld id="{1D8BD707-D9CF-40AE-B4C6-C98DA3205C09}" type="datetimeFigureOut">
               <a:rPr lang="en-US" smtClean="0"/>
               <a:pPr/>
-              <a:t>11/11/2019</a:t>
+              <a:t>11/12/2019</a:t>
             </a:fld>
             <a:endParaRPr lang="en-US"/>
           </a:p>
@@ -1688,7 +1694,7 @@
             <a:fld id="{1D8BD707-D9CF-40AE-B4C6-C98DA3205C09}" type="datetimeFigureOut">
               <a:rPr lang="en-US" smtClean="0"/>
               <a:pPr/>
-              <a:t>11/11/2019</a:t>
+              <a:t>11/12/2019</a:t>
             </a:fld>
             <a:endParaRPr lang="en-US"/>
           </a:p>
@@ -2104,7 +2110,7 @@
             <a:fld id="{1D8BD707-D9CF-40AE-B4C6-C98DA3205C09}" type="datetimeFigureOut">
               <a:rPr lang="en-US" smtClean="0"/>
               <a:pPr/>
-              <a:t>11/11/2019</a:t>
+              <a:t>11/12/2019</a:t>
             </a:fld>
             <a:endParaRPr lang="en-US"/>
           </a:p>
@@ -2218,7 +2224,7 @@
             <a:fld id="{1D8BD707-D9CF-40AE-B4C6-C98DA3205C09}" type="datetimeFigureOut">
               <a:rPr lang="en-US" smtClean="0"/>
               <a:pPr/>
-              <a:t>11/11/2019</a:t>
+              <a:t>11/12/2019</a:t>
             </a:fld>
             <a:endParaRPr lang="en-US"/>
           </a:p>
@@ -2310,7 +2316,7 @@
             <a:fld id="{1D8BD707-D9CF-40AE-B4C6-C98DA3205C09}" type="datetimeFigureOut">
               <a:rPr lang="en-US" smtClean="0"/>
               <a:pPr/>
-              <a:t>11/11/2019</a:t>
+              <a:t>11/12/2019</a:t>
             </a:fld>
             <a:endParaRPr lang="en-US"/>
           </a:p>
@@ -2582,7 +2588,7 @@
             <a:fld id="{1D8BD707-D9CF-40AE-B4C6-C98DA3205C09}" type="datetimeFigureOut">
               <a:rPr lang="en-US" smtClean="0"/>
               <a:pPr/>
-              <a:t>11/11/2019</a:t>
+              <a:t>11/12/2019</a:t>
             </a:fld>
             <a:endParaRPr lang="en-US"/>
           </a:p>
@@ -2831,7 +2837,7 @@
             <a:fld id="{1D8BD707-D9CF-40AE-B4C6-C98DA3205C09}" type="datetimeFigureOut">
               <a:rPr lang="en-US" smtClean="0"/>
               <a:pPr/>
-              <a:t>11/11/2019</a:t>
+              <a:t>11/12/2019</a:t>
             </a:fld>
             <a:endParaRPr lang="en-US"/>
           </a:p>
@@ -3039,7 +3045,7 @@
             <a:fld id="{1D8BD707-D9CF-40AE-B4C6-C98DA3205C09}" type="datetimeFigureOut">
               <a:rPr lang="en-US" smtClean="0"/>
               <a:pPr/>
-              <a:t>11/11/2019</a:t>
+              <a:t>11/12/2019</a:t>
             </a:fld>
             <a:endParaRPr lang="en-US"/>
           </a:p>
@@ -3562,6 +3568,723 @@
 </p:sld>
 </file>
 
+<file path=ppt/slides/slide10.xml><?xml version="1.0" encoding="utf-8"?>
+<p:sld xmlns:a="http://schemas.openxmlformats.org/drawingml/2006/main" xmlns:r="http://schemas.openxmlformats.org/officeDocument/2006/relationships" xmlns:p="http://schemas.openxmlformats.org/presentationml/2006/main">
+  <p:cSld>
+    <p:spTree>
+      <p:nvGrpSpPr>
+        <p:cNvPr id="1" name=""/>
+        <p:cNvGrpSpPr/>
+        <p:nvPr/>
+      </p:nvGrpSpPr>
+      <p:grpSpPr>
+        <a:xfrm>
+          <a:off x="0" y="0"/>
+          <a:ext cx="0" cy="0"/>
+          <a:chOff x="0" y="0"/>
+          <a:chExt cx="0" cy="0"/>
+        </a:xfrm>
+      </p:grpSpPr>
+      <p:pic>
+        <p:nvPicPr>
+          <p:cNvPr id="2" name="Picture 1"/>
+          <p:cNvPicPr>
+            <a:picLocks noChangeAspect="1"/>
+          </p:cNvPicPr>
+          <p:nvPr/>
+        </p:nvPicPr>
+        <p:blipFill>
+          <a:blip r:embed="rId2"/>
+          <a:stretch>
+            <a:fillRect/>
+          </a:stretch>
+        </p:blipFill>
+        <p:spPr>
+          <a:xfrm>
+            <a:off x="5950084" y="1980748"/>
+            <a:ext cx="1720268" cy="1143452"/>
+          </a:xfrm>
+          <a:prstGeom prst="rect">
+            <a:avLst/>
+          </a:prstGeom>
+        </p:spPr>
+      </p:pic>
+      <p:sp>
+        <p:nvSpPr>
+          <p:cNvPr id="3" name="TextBox 2"/>
+          <p:cNvSpPr txBox="1"/>
+          <p:nvPr/>
+        </p:nvSpPr>
+        <p:spPr>
+          <a:xfrm>
+            <a:off x="6229898" y="3127612"/>
+            <a:ext cx="2468176" cy="1846659"/>
+          </a:xfrm>
+          <a:prstGeom prst="rect">
+            <a:avLst/>
+          </a:prstGeom>
+          <a:noFill/>
+        </p:spPr>
+        <p:txBody>
+          <a:bodyPr wrap="none" rtlCol="0">
+            <a:spAutoFit/>
+          </a:bodyPr>
+          <a:lstStyle/>
+          <a:p>
+            <a:r>
+              <a:rPr lang="en-CA" b="1" dirty="0" err="1" smtClean="0">
+                <a:solidFill>
+                  <a:srgbClr val="FF0000"/>
+                </a:solidFill>
+              </a:rPr>
+              <a:t>Botmaster</a:t>
+            </a:r>
+            <a:endParaRPr lang="en-CA" b="1" dirty="0" smtClean="0">
+              <a:solidFill>
+                <a:srgbClr val="FF0000"/>
+              </a:solidFill>
+            </a:endParaRPr>
+          </a:p>
+          <a:p>
+            <a:r>
+              <a:rPr lang="en-CA" sz="1600" dirty="0" smtClean="0">
+                <a:solidFill>
+                  <a:srgbClr val="FF0000"/>
+                </a:solidFill>
+              </a:rPr>
+              <a:t>Controls a network</a:t>
+            </a:r>
+          </a:p>
+          <a:p>
+            <a:r>
+              <a:rPr lang="en-CA" sz="1600" dirty="0" smtClean="0">
+                <a:solidFill>
+                  <a:srgbClr val="FF0000"/>
+                </a:solidFill>
+              </a:rPr>
+              <a:t>of Bots. </a:t>
+            </a:r>
+            <a:br>
+              <a:rPr lang="en-CA" sz="1600" dirty="0" smtClean="0">
+                <a:solidFill>
+                  <a:srgbClr val="FF0000"/>
+                </a:solidFill>
+              </a:rPr>
+            </a:br>
+            <a:endParaRPr lang="en-CA" sz="1600" dirty="0" smtClean="0">
+              <a:solidFill>
+                <a:srgbClr val="FF0000"/>
+              </a:solidFill>
+            </a:endParaRPr>
+          </a:p>
+          <a:p>
+            <a:r>
+              <a:rPr lang="en-CA" sz="1600" dirty="0" smtClean="0">
+                <a:solidFill>
+                  <a:srgbClr val="FF0000"/>
+                </a:solidFill>
+              </a:rPr>
+              <a:t>Can use the Botnet to </a:t>
+            </a:r>
+            <a:br>
+              <a:rPr lang="en-CA" sz="1600" dirty="0" smtClean="0">
+                <a:solidFill>
+                  <a:srgbClr val="FF0000"/>
+                </a:solidFill>
+              </a:rPr>
+            </a:br>
+            <a:r>
+              <a:rPr lang="en-CA" sz="1600" dirty="0" smtClean="0">
+                <a:solidFill>
+                  <a:srgbClr val="FF0000"/>
+                </a:solidFill>
+              </a:rPr>
+              <a:t>perform almost any activity</a:t>
+            </a:r>
+            <a:br>
+              <a:rPr lang="en-CA" sz="1600" dirty="0" smtClean="0">
+                <a:solidFill>
+                  <a:srgbClr val="FF0000"/>
+                </a:solidFill>
+              </a:rPr>
+            </a:br>
+            <a:r>
+              <a:rPr lang="en-CA" sz="1600" dirty="0" smtClean="0">
+                <a:solidFill>
+                  <a:srgbClr val="FF0000"/>
+                </a:solidFill>
+              </a:rPr>
+              <a:t>in secret. </a:t>
+            </a:r>
+            <a:endParaRPr lang="en-US" sz="1600" dirty="0">
+              <a:solidFill>
+                <a:srgbClr val="FF0000"/>
+              </a:solidFill>
+            </a:endParaRPr>
+          </a:p>
+        </p:txBody>
+      </p:sp>
+      <p:sp>
+        <p:nvSpPr>
+          <p:cNvPr id="4" name="Rectangle 3"/>
+          <p:cNvSpPr/>
+          <p:nvPr/>
+        </p:nvSpPr>
+        <p:spPr>
+          <a:xfrm>
+            <a:off x="990600" y="2743200"/>
+            <a:ext cx="2667000" cy="3048000"/>
+          </a:xfrm>
+          <a:prstGeom prst="rect">
+            <a:avLst/>
+          </a:prstGeom>
+          <a:noFill/>
+          <a:ln>
+            <a:solidFill>
+              <a:schemeClr val="tx1"/>
+            </a:solidFill>
+          </a:ln>
+        </p:spPr>
+        <p:style>
+          <a:lnRef idx="2">
+            <a:schemeClr val="accent1">
+              <a:shade val="50000"/>
+            </a:schemeClr>
+          </a:lnRef>
+          <a:fillRef idx="1">
+            <a:schemeClr val="accent1"/>
+          </a:fillRef>
+          <a:effectRef idx="0">
+            <a:schemeClr val="accent1"/>
+          </a:effectRef>
+          <a:fontRef idx="minor">
+            <a:schemeClr val="lt1"/>
+          </a:fontRef>
+        </p:style>
+        <p:txBody>
+          <a:bodyPr rtlCol="0" anchor="ctr"/>
+          <a:lstStyle/>
+          <a:p>
+            <a:pPr algn="ctr"/>
+            <a:endParaRPr lang="en-US"/>
+          </a:p>
+        </p:txBody>
+      </p:sp>
+      <p:sp>
+        <p:nvSpPr>
+          <p:cNvPr id="5" name="Rectangle 4"/>
+          <p:cNvSpPr/>
+          <p:nvPr/>
+        </p:nvSpPr>
+        <p:spPr>
+          <a:xfrm>
+            <a:off x="1143000" y="2895600"/>
+            <a:ext cx="1676400" cy="2667000"/>
+          </a:xfrm>
+          <a:prstGeom prst="rect">
+            <a:avLst/>
+          </a:prstGeom>
+          <a:solidFill>
+            <a:schemeClr val="tx2">
+              <a:lumMod val="20000"/>
+              <a:lumOff val="80000"/>
+            </a:schemeClr>
+          </a:solidFill>
+        </p:spPr>
+        <p:style>
+          <a:lnRef idx="2">
+            <a:schemeClr val="accent1">
+              <a:shade val="50000"/>
+            </a:schemeClr>
+          </a:lnRef>
+          <a:fillRef idx="1">
+            <a:schemeClr val="accent1"/>
+          </a:fillRef>
+          <a:effectRef idx="0">
+            <a:schemeClr val="accent1"/>
+          </a:effectRef>
+          <a:fontRef idx="minor">
+            <a:schemeClr val="lt1"/>
+          </a:fontRef>
+        </p:style>
+        <p:txBody>
+          <a:bodyPr rtlCol="0" anchor="t"/>
+          <a:lstStyle/>
+          <a:p>
+            <a:r>
+              <a:rPr lang="en-CA" sz="1600" dirty="0" smtClean="0">
+                <a:solidFill>
+                  <a:srgbClr val="0070C0"/>
+                </a:solidFill>
+              </a:rPr>
+              <a:t>Windows / Mac</a:t>
+            </a:r>
+            <a:br>
+              <a:rPr lang="en-CA" sz="1600" dirty="0" smtClean="0">
+                <a:solidFill>
+                  <a:srgbClr val="0070C0"/>
+                </a:solidFill>
+              </a:rPr>
+            </a:br>
+            <a:r>
+              <a:rPr lang="en-CA" sz="1600" dirty="0" smtClean="0">
+                <a:solidFill>
+                  <a:srgbClr val="0070C0"/>
+                </a:solidFill>
+              </a:rPr>
+              <a:t>Operating System</a:t>
+            </a:r>
+          </a:p>
+          <a:p>
+            <a:endParaRPr lang="en-CA" sz="1600" dirty="0">
+              <a:solidFill>
+                <a:srgbClr val="0070C0"/>
+              </a:solidFill>
+            </a:endParaRPr>
+          </a:p>
+          <a:p>
+            <a:r>
+              <a:rPr lang="en-CA" sz="1400" dirty="0" smtClean="0">
+                <a:solidFill>
+                  <a:srgbClr val="0070C0"/>
+                </a:solidFill>
+              </a:rPr>
+              <a:t>All programs and data run as normally expected</a:t>
+            </a:r>
+          </a:p>
+          <a:p>
+            <a:endParaRPr lang="en-CA" sz="1400" dirty="0">
+              <a:solidFill>
+                <a:srgbClr val="0070C0"/>
+              </a:solidFill>
+            </a:endParaRPr>
+          </a:p>
+          <a:p>
+            <a:r>
+              <a:rPr lang="en-CA" sz="1400" dirty="0" smtClean="0">
+                <a:solidFill>
+                  <a:srgbClr val="0070C0"/>
+                </a:solidFill>
+              </a:rPr>
+              <a:t>User does not see anything wrong</a:t>
+            </a:r>
+            <a:endParaRPr lang="en-US" sz="1400" dirty="0">
+              <a:solidFill>
+                <a:srgbClr val="0070C0"/>
+              </a:solidFill>
+            </a:endParaRPr>
+          </a:p>
+        </p:txBody>
+      </p:sp>
+      <p:sp>
+        <p:nvSpPr>
+          <p:cNvPr id="6" name="Rectangle 5"/>
+          <p:cNvSpPr/>
+          <p:nvPr/>
+        </p:nvSpPr>
+        <p:spPr>
+          <a:xfrm>
+            <a:off x="2971800" y="2895600"/>
+            <a:ext cx="609600" cy="416678"/>
+          </a:xfrm>
+          <a:prstGeom prst="rect">
+            <a:avLst/>
+          </a:prstGeom>
+          <a:solidFill>
+            <a:schemeClr val="accent2">
+              <a:lumMod val="20000"/>
+              <a:lumOff val="80000"/>
+            </a:schemeClr>
+          </a:solidFill>
+          <a:ln>
+            <a:solidFill>
+              <a:srgbClr val="FF0000"/>
+            </a:solidFill>
+          </a:ln>
+        </p:spPr>
+        <p:style>
+          <a:lnRef idx="2">
+            <a:schemeClr val="accent1">
+              <a:shade val="50000"/>
+            </a:schemeClr>
+          </a:lnRef>
+          <a:fillRef idx="1">
+            <a:schemeClr val="accent1"/>
+          </a:fillRef>
+          <a:effectRef idx="0">
+            <a:schemeClr val="accent1"/>
+          </a:effectRef>
+          <a:fontRef idx="minor">
+            <a:schemeClr val="lt1"/>
+          </a:fontRef>
+        </p:style>
+        <p:txBody>
+          <a:bodyPr rtlCol="0" anchor="ctr"/>
+          <a:lstStyle/>
+          <a:p>
+            <a:pPr algn="ctr"/>
+            <a:r>
+              <a:rPr lang="en-CA" sz="1200" dirty="0" smtClean="0">
+                <a:solidFill>
+                  <a:srgbClr val="FF0000"/>
+                </a:solidFill>
+              </a:rPr>
+              <a:t>Trojan</a:t>
+            </a:r>
+            <a:endParaRPr lang="en-US" sz="1200" dirty="0">
+              <a:solidFill>
+                <a:srgbClr val="FF0000"/>
+              </a:solidFill>
+            </a:endParaRPr>
+          </a:p>
+        </p:txBody>
+      </p:sp>
+      <p:sp>
+        <p:nvSpPr>
+          <p:cNvPr id="7" name="TextBox 6"/>
+          <p:cNvSpPr txBox="1"/>
+          <p:nvPr/>
+        </p:nvSpPr>
+        <p:spPr>
+          <a:xfrm>
+            <a:off x="1049624" y="2339749"/>
+            <a:ext cx="1765227" cy="369332"/>
+          </a:xfrm>
+          <a:prstGeom prst="rect">
+            <a:avLst/>
+          </a:prstGeom>
+          <a:noFill/>
+        </p:spPr>
+        <p:txBody>
+          <a:bodyPr wrap="none" rtlCol="0">
+            <a:spAutoFit/>
+          </a:bodyPr>
+          <a:lstStyle/>
+          <a:p>
+            <a:r>
+              <a:rPr lang="en-CA" dirty="0" smtClean="0"/>
+              <a:t>Infected PC (Bot)</a:t>
+            </a:r>
+            <a:endParaRPr lang="en-US" dirty="0"/>
+          </a:p>
+        </p:txBody>
+      </p:sp>
+      <p:cxnSp>
+        <p:nvCxnSpPr>
+          <p:cNvPr id="9" name="Straight Arrow Connector 8"/>
+          <p:cNvCxnSpPr/>
+          <p:nvPr/>
+        </p:nvCxnSpPr>
+        <p:spPr>
+          <a:xfrm flipV="1">
+            <a:off x="3797507" y="2743200"/>
+            <a:ext cx="1993693" cy="360739"/>
+          </a:xfrm>
+          <a:prstGeom prst="straightConnector1">
+            <a:avLst/>
+          </a:prstGeom>
+          <a:ln w="38100">
+            <a:solidFill>
+              <a:srgbClr val="FF0000"/>
+            </a:solidFill>
+            <a:headEnd type="triangle" w="med" len="med"/>
+            <a:tailEnd type="triangle" w="med" len="med"/>
+          </a:ln>
+        </p:spPr>
+        <p:style>
+          <a:lnRef idx="1">
+            <a:schemeClr val="accent1"/>
+          </a:lnRef>
+          <a:fillRef idx="0">
+            <a:schemeClr val="accent1"/>
+          </a:fillRef>
+          <a:effectRef idx="0">
+            <a:schemeClr val="accent1"/>
+          </a:effectRef>
+          <a:fontRef idx="minor">
+            <a:schemeClr val="tx1"/>
+          </a:fontRef>
+        </p:style>
+      </p:cxnSp>
+      <p:sp>
+        <p:nvSpPr>
+          <p:cNvPr id="12" name="TextBox 11"/>
+          <p:cNvSpPr txBox="1"/>
+          <p:nvPr/>
+        </p:nvSpPr>
+        <p:spPr>
+          <a:xfrm rot="21138551">
+            <a:off x="4377032" y="2636429"/>
+            <a:ext cx="778034" cy="307777"/>
+          </a:xfrm>
+          <a:prstGeom prst="rect">
+            <a:avLst/>
+          </a:prstGeom>
+          <a:noFill/>
+        </p:spPr>
+        <p:txBody>
+          <a:bodyPr wrap="none" rtlCol="0">
+            <a:spAutoFit/>
+          </a:bodyPr>
+          <a:lstStyle/>
+          <a:p>
+            <a:r>
+              <a:rPr lang="en-CA" sz="1400" dirty="0" smtClean="0">
+                <a:solidFill>
+                  <a:srgbClr val="FF0000"/>
+                </a:solidFill>
+              </a:rPr>
+              <a:t>Internet</a:t>
+            </a:r>
+            <a:endParaRPr lang="en-US" sz="1400" dirty="0">
+              <a:solidFill>
+                <a:srgbClr val="FF0000"/>
+              </a:solidFill>
+            </a:endParaRPr>
+          </a:p>
+        </p:txBody>
+      </p:sp>
+      <p:sp>
+        <p:nvSpPr>
+          <p:cNvPr id="13" name="Rectangle 12"/>
+          <p:cNvSpPr/>
+          <p:nvPr/>
+        </p:nvSpPr>
+        <p:spPr>
+          <a:xfrm>
+            <a:off x="2971800" y="3496944"/>
+            <a:ext cx="609600" cy="2065656"/>
+          </a:xfrm>
+          <a:prstGeom prst="rect">
+            <a:avLst/>
+          </a:prstGeom>
+          <a:solidFill>
+            <a:schemeClr val="accent2">
+              <a:lumMod val="20000"/>
+              <a:lumOff val="80000"/>
+            </a:schemeClr>
+          </a:solidFill>
+          <a:ln>
+            <a:solidFill>
+              <a:srgbClr val="FF0000"/>
+            </a:solidFill>
+          </a:ln>
+        </p:spPr>
+        <p:style>
+          <a:lnRef idx="2">
+            <a:schemeClr val="accent1">
+              <a:shade val="50000"/>
+            </a:schemeClr>
+          </a:lnRef>
+          <a:fillRef idx="1">
+            <a:schemeClr val="accent1"/>
+          </a:fillRef>
+          <a:effectRef idx="0">
+            <a:schemeClr val="accent1"/>
+          </a:effectRef>
+          <a:fontRef idx="minor">
+            <a:schemeClr val="lt1"/>
+          </a:fontRef>
+        </p:style>
+        <p:txBody>
+          <a:bodyPr rtlCol="0" anchor="ctr"/>
+          <a:lstStyle/>
+          <a:p>
+            <a:pPr algn="ctr"/>
+            <a:endParaRPr lang="en-US"/>
+          </a:p>
+        </p:txBody>
+      </p:sp>
+      <p:sp>
+        <p:nvSpPr>
+          <p:cNvPr id="14" name="TextBox 13"/>
+          <p:cNvSpPr txBox="1"/>
+          <p:nvPr/>
+        </p:nvSpPr>
+        <p:spPr>
+          <a:xfrm rot="5400000">
+            <a:off x="2492884" y="4298939"/>
+            <a:ext cx="1599733" cy="461665"/>
+          </a:xfrm>
+          <a:prstGeom prst="rect">
+            <a:avLst/>
+          </a:prstGeom>
+          <a:noFill/>
+        </p:spPr>
+        <p:txBody>
+          <a:bodyPr wrap="none" rtlCol="0">
+            <a:spAutoFit/>
+          </a:bodyPr>
+          <a:lstStyle/>
+          <a:p>
+            <a:r>
+              <a:rPr lang="en-CA" sz="1200" dirty="0" smtClean="0">
+                <a:solidFill>
+                  <a:srgbClr val="FF0000"/>
+                </a:solidFill>
+              </a:rPr>
+              <a:t>Additional Malware</a:t>
+            </a:r>
+          </a:p>
+          <a:p>
+            <a:r>
+              <a:rPr lang="en-CA" sz="1200" dirty="0" smtClean="0">
+                <a:solidFill>
+                  <a:srgbClr val="FF0000"/>
+                </a:solidFill>
+              </a:rPr>
+              <a:t>Installed by the Trojan </a:t>
+            </a:r>
+            <a:endParaRPr lang="en-US" sz="1200" dirty="0">
+              <a:solidFill>
+                <a:srgbClr val="FF0000"/>
+              </a:solidFill>
+            </a:endParaRPr>
+          </a:p>
+        </p:txBody>
+      </p:sp>
+      <p:sp>
+        <p:nvSpPr>
+          <p:cNvPr id="15" name="Rectangle 14"/>
+          <p:cNvSpPr/>
+          <p:nvPr/>
+        </p:nvSpPr>
+        <p:spPr>
+          <a:xfrm>
+            <a:off x="3671519" y="3152331"/>
+            <a:ext cx="2043482" cy="2585323"/>
+          </a:xfrm>
+          <a:prstGeom prst="rect">
+            <a:avLst/>
+          </a:prstGeom>
+        </p:spPr>
+        <p:txBody>
+          <a:bodyPr wrap="square">
+            <a:spAutoFit/>
+          </a:bodyPr>
+          <a:lstStyle/>
+          <a:p>
+            <a:r>
+              <a:rPr lang="en-CA" b="1" dirty="0" smtClean="0">
+                <a:solidFill>
+                  <a:srgbClr val="FF0000"/>
+                </a:solidFill>
+              </a:rPr>
+              <a:t>Trojan</a:t>
+            </a:r>
+            <a:endParaRPr lang="en-CA" b="1" dirty="0">
+              <a:solidFill>
+                <a:srgbClr val="FF0000"/>
+              </a:solidFill>
+            </a:endParaRPr>
+          </a:p>
+          <a:p>
+            <a:r>
+              <a:rPr lang="en-CA" sz="1600" dirty="0" smtClean="0">
+                <a:solidFill>
+                  <a:srgbClr val="FF0000"/>
+                </a:solidFill>
+              </a:rPr>
+              <a:t>Runs secretly in the </a:t>
+            </a:r>
+            <a:br>
+              <a:rPr lang="en-CA" sz="1600" dirty="0" smtClean="0">
+                <a:solidFill>
+                  <a:srgbClr val="FF0000"/>
+                </a:solidFill>
+              </a:rPr>
+            </a:br>
+            <a:r>
+              <a:rPr lang="en-CA" sz="1600" dirty="0" smtClean="0">
+                <a:solidFill>
+                  <a:srgbClr val="FF0000"/>
+                </a:solidFill>
+              </a:rPr>
+              <a:t>background</a:t>
+            </a:r>
+          </a:p>
+          <a:p>
+            <a:endParaRPr lang="en-CA" sz="1600" dirty="0">
+              <a:solidFill>
+                <a:srgbClr val="FF0000"/>
+              </a:solidFill>
+            </a:endParaRPr>
+          </a:p>
+          <a:p>
+            <a:r>
+              <a:rPr lang="en-CA" sz="1600" dirty="0" smtClean="0">
+                <a:solidFill>
+                  <a:srgbClr val="FF0000"/>
+                </a:solidFill>
+              </a:rPr>
+              <a:t>Only uses a small amount of resources on the infected PC</a:t>
+            </a:r>
+            <a:br>
+              <a:rPr lang="en-CA" sz="1600" dirty="0" smtClean="0">
+                <a:solidFill>
+                  <a:srgbClr val="FF0000"/>
+                </a:solidFill>
+              </a:rPr>
+            </a:br>
+            <a:endParaRPr lang="en-CA" sz="1600" dirty="0" smtClean="0">
+              <a:solidFill>
+                <a:srgbClr val="FF0000"/>
+              </a:solidFill>
+            </a:endParaRPr>
+          </a:p>
+          <a:p>
+            <a:r>
+              <a:rPr lang="en-CA" sz="1600" dirty="0" smtClean="0">
+                <a:solidFill>
+                  <a:srgbClr val="FF0000"/>
+                </a:solidFill>
+              </a:rPr>
+              <a:t>Waits for instructions</a:t>
+            </a:r>
+            <a:br>
+              <a:rPr lang="en-CA" sz="1600" dirty="0" smtClean="0">
+                <a:solidFill>
+                  <a:srgbClr val="FF0000"/>
+                </a:solidFill>
+              </a:rPr>
+            </a:br>
+            <a:r>
+              <a:rPr lang="en-CA" sz="1600" dirty="0" smtClean="0">
+                <a:solidFill>
+                  <a:srgbClr val="FF0000"/>
+                </a:solidFill>
+              </a:rPr>
+              <a:t>from the </a:t>
+            </a:r>
+            <a:r>
+              <a:rPr lang="en-CA" sz="1600" dirty="0" err="1" smtClean="0">
+                <a:solidFill>
+                  <a:srgbClr val="FF0000"/>
+                </a:solidFill>
+              </a:rPr>
+              <a:t>Botmaster</a:t>
+            </a:r>
+            <a:endParaRPr lang="en-US" sz="1600" dirty="0">
+              <a:solidFill>
+                <a:srgbClr val="FF0000"/>
+              </a:solidFill>
+            </a:endParaRPr>
+          </a:p>
+        </p:txBody>
+      </p:sp>
+    </p:spTree>
+    <p:extLst>
+      <p:ext uri="{BB962C8B-B14F-4D97-AF65-F5344CB8AC3E}">
+        <p14:creationId xmlns:p14="http://schemas.microsoft.com/office/powerpoint/2010/main" val="1171112851"/>
+      </p:ext>
+    </p:extLst>
+  </p:cSld>
+  <p:clrMapOvr>
+    <a:masterClrMapping/>
+  </p:clrMapOvr>
+</p:sld>
+</file>
+
 <file path=ppt/slides/slide2.xml><?xml version="1.0" encoding="utf-8"?>
 <p:sld xmlns:a="http://schemas.openxmlformats.org/drawingml/2006/main" xmlns:r="http://schemas.openxmlformats.org/officeDocument/2006/relationships" xmlns:p="http://schemas.openxmlformats.org/presentationml/2006/main">
   <p:cSld>
@@ -4058,6 +4781,1033 @@
     <p:extLst>
       <p:ext uri="{BB962C8B-B14F-4D97-AF65-F5344CB8AC3E}">
         <p14:creationId xmlns:p14="http://schemas.microsoft.com/office/powerpoint/2010/main" val="1092411304"/>
+      </p:ext>
+    </p:extLst>
+  </p:cSld>
+  <p:clrMapOvr>
+    <a:masterClrMapping/>
+  </p:clrMapOvr>
+</p:sld>
+</file>
+
+<file path=ppt/slides/slide5.xml><?xml version="1.0" encoding="utf-8"?>
+<p:sld xmlns:a="http://schemas.openxmlformats.org/drawingml/2006/main" xmlns:r="http://schemas.openxmlformats.org/officeDocument/2006/relationships" xmlns:p="http://schemas.openxmlformats.org/presentationml/2006/main">
+  <p:cSld>
+    <p:spTree>
+      <p:nvGrpSpPr>
+        <p:cNvPr id="1" name=""/>
+        <p:cNvGrpSpPr/>
+        <p:nvPr/>
+      </p:nvGrpSpPr>
+      <p:grpSpPr>
+        <a:xfrm>
+          <a:off x="0" y="0"/>
+          <a:ext cx="0" cy="0"/>
+          <a:chOff x="0" y="0"/>
+          <a:chExt cx="0" cy="0"/>
+        </a:xfrm>
+      </p:grpSpPr>
+      <p:sp>
+        <p:nvSpPr>
+          <p:cNvPr id="2" name="Title 1"/>
+          <p:cNvSpPr>
+            <a:spLocks noGrp="1"/>
+          </p:cNvSpPr>
+          <p:nvPr>
+            <p:ph type="title"/>
+          </p:nvPr>
+        </p:nvSpPr>
+        <p:spPr/>
+        <p:txBody>
+          <a:bodyPr/>
+          <a:lstStyle/>
+          <a:p>
+            <a:r>
+              <a:rPr lang="en-CA" dirty="0" smtClean="0"/>
+              <a:t>Computer Virus</a:t>
+            </a:r>
+            <a:endParaRPr lang="en-US" dirty="0"/>
+          </a:p>
+        </p:txBody>
+      </p:sp>
+      <p:sp>
+        <p:nvSpPr>
+          <p:cNvPr id="3" name="Content Placeholder 2"/>
+          <p:cNvSpPr>
+            <a:spLocks noGrp="1"/>
+          </p:cNvSpPr>
+          <p:nvPr>
+            <p:ph idx="1"/>
+          </p:nvPr>
+        </p:nvSpPr>
+        <p:spPr>
+          <a:xfrm>
+            <a:off x="457200" y="1600200"/>
+            <a:ext cx="8229600" cy="4876800"/>
+          </a:xfrm>
+        </p:spPr>
+        <p:txBody>
+          <a:bodyPr>
+            <a:normAutofit lnSpcReduction="10000"/>
+          </a:bodyPr>
+          <a:lstStyle/>
+          <a:p>
+            <a:r>
+              <a:rPr lang="en-CA" sz="2400" dirty="0" smtClean="0"/>
+              <a:t>Takes advantage of a weakness or bug in legitimate software installed on a computer.</a:t>
+            </a:r>
+          </a:p>
+          <a:p>
+            <a:pPr lvl="1"/>
+            <a:r>
+              <a:rPr lang="en-CA" sz="2000" dirty="0" smtClean="0"/>
+              <a:t>Forces the program to encounter a Logic or Run-Time Error</a:t>
+            </a:r>
+          </a:p>
+          <a:p>
+            <a:pPr lvl="1"/>
+            <a:r>
+              <a:rPr lang="en-CA" sz="2000" dirty="0" smtClean="0"/>
+              <a:t>The error causes the program to do unintended things</a:t>
+            </a:r>
+          </a:p>
+          <a:p>
+            <a:endParaRPr lang="en-CA" sz="2400" dirty="0"/>
+          </a:p>
+          <a:p>
+            <a:r>
+              <a:rPr lang="en-CA" sz="2400" dirty="0" smtClean="0"/>
+              <a:t>For example, an infected Microsoft Excel File.</a:t>
+            </a:r>
+          </a:p>
+          <a:p>
+            <a:endParaRPr lang="en-CA" sz="2400" dirty="0"/>
+          </a:p>
+          <a:p>
+            <a:endParaRPr lang="en-CA" sz="2400" dirty="0" smtClean="0"/>
+          </a:p>
+          <a:p>
+            <a:endParaRPr lang="en-CA" sz="2400" dirty="0"/>
+          </a:p>
+          <a:p>
+            <a:endParaRPr lang="en-CA" sz="2400" dirty="0" smtClean="0"/>
+          </a:p>
+          <a:p>
+            <a:endParaRPr lang="en-CA" sz="2400" dirty="0" smtClean="0"/>
+          </a:p>
+          <a:p>
+            <a:pPr lvl="1"/>
+            <a:r>
+              <a:rPr lang="en-CA" sz="2000" dirty="0" smtClean="0"/>
+              <a:t>The virus code is executed when the infected file is opened in Excel.</a:t>
+            </a:r>
+            <a:endParaRPr lang="en-US" sz="2000" dirty="0"/>
+          </a:p>
+        </p:txBody>
+      </p:sp>
+      <p:pic>
+        <p:nvPicPr>
+          <p:cNvPr id="4" name="Picture 3"/>
+          <p:cNvPicPr>
+            <a:picLocks noChangeAspect="1"/>
+          </p:cNvPicPr>
+          <p:nvPr/>
+        </p:nvPicPr>
+        <p:blipFill>
+          <a:blip r:embed="rId2"/>
+          <a:stretch>
+            <a:fillRect/>
+          </a:stretch>
+        </p:blipFill>
+        <p:spPr>
+          <a:xfrm>
+            <a:off x="1295400" y="3863181"/>
+            <a:ext cx="6400800" cy="1796081"/>
+          </a:xfrm>
+          <a:prstGeom prst="rect">
+            <a:avLst/>
+          </a:prstGeom>
+        </p:spPr>
+      </p:pic>
+    </p:spTree>
+    <p:extLst>
+      <p:ext uri="{BB962C8B-B14F-4D97-AF65-F5344CB8AC3E}">
+        <p14:creationId xmlns:p14="http://schemas.microsoft.com/office/powerpoint/2010/main" val="295242390"/>
+      </p:ext>
+    </p:extLst>
+  </p:cSld>
+  <p:clrMapOvr>
+    <a:masterClrMapping/>
+  </p:clrMapOvr>
+</p:sld>
+</file>
+
+<file path=ppt/slides/slide6.xml><?xml version="1.0" encoding="utf-8"?>
+<p:sld xmlns:a="http://schemas.openxmlformats.org/drawingml/2006/main" xmlns:r="http://schemas.openxmlformats.org/officeDocument/2006/relationships" xmlns:p="http://schemas.openxmlformats.org/presentationml/2006/main">
+  <p:cSld>
+    <p:spTree>
+      <p:nvGrpSpPr>
+        <p:cNvPr id="1" name=""/>
+        <p:cNvGrpSpPr/>
+        <p:nvPr/>
+      </p:nvGrpSpPr>
+      <p:grpSpPr>
+        <a:xfrm>
+          <a:off x="0" y="0"/>
+          <a:ext cx="0" cy="0"/>
+          <a:chOff x="0" y="0"/>
+          <a:chExt cx="0" cy="0"/>
+        </a:xfrm>
+      </p:grpSpPr>
+      <p:sp>
+        <p:nvSpPr>
+          <p:cNvPr id="2" name="Title 1"/>
+          <p:cNvSpPr>
+            <a:spLocks noGrp="1"/>
+          </p:cNvSpPr>
+          <p:nvPr>
+            <p:ph type="title"/>
+          </p:nvPr>
+        </p:nvSpPr>
+        <p:spPr/>
+        <p:txBody>
+          <a:bodyPr/>
+          <a:lstStyle/>
+          <a:p>
+            <a:r>
+              <a:rPr lang="en-CA" dirty="0" smtClean="0"/>
+              <a:t>Trojan / Botnet</a:t>
+            </a:r>
+            <a:endParaRPr lang="en-US" dirty="0"/>
+          </a:p>
+        </p:txBody>
+      </p:sp>
+      <p:sp>
+        <p:nvSpPr>
+          <p:cNvPr id="3" name="Content Placeholder 2"/>
+          <p:cNvSpPr>
+            <a:spLocks noGrp="1"/>
+          </p:cNvSpPr>
+          <p:nvPr>
+            <p:ph idx="1"/>
+          </p:nvPr>
+        </p:nvSpPr>
+        <p:spPr/>
+        <p:txBody>
+          <a:bodyPr>
+            <a:normAutofit/>
+          </a:bodyPr>
+          <a:lstStyle/>
+          <a:p>
+            <a:r>
+              <a:rPr lang="en-CA" sz="2400" dirty="0" smtClean="0"/>
+              <a:t>Uses a virus to implant a secret program that runs quietly and undetected in the background.</a:t>
+            </a:r>
+          </a:p>
+          <a:p>
+            <a:pPr lvl="2"/>
+            <a:endParaRPr lang="en-CA" sz="1600" dirty="0" smtClean="0"/>
+          </a:p>
+          <a:p>
+            <a:r>
+              <a:rPr lang="en-CA" sz="2400" dirty="0" smtClean="0"/>
+              <a:t>The Trojan communicates back to the master controller for instructions or to install further malware.</a:t>
+            </a:r>
+            <a:endParaRPr lang="en-US" sz="2400" dirty="0"/>
+          </a:p>
+        </p:txBody>
+      </p:sp>
+      <p:pic>
+        <p:nvPicPr>
+          <p:cNvPr id="4" name="Picture 3"/>
+          <p:cNvPicPr>
+            <a:picLocks noChangeAspect="1"/>
+          </p:cNvPicPr>
+          <p:nvPr/>
+        </p:nvPicPr>
+        <p:blipFill>
+          <a:blip r:embed="rId2"/>
+          <a:stretch>
+            <a:fillRect/>
+          </a:stretch>
+        </p:blipFill>
+        <p:spPr>
+          <a:xfrm>
+            <a:off x="2612560" y="3469956"/>
+            <a:ext cx="6248400" cy="3065654"/>
+          </a:xfrm>
+          <a:prstGeom prst="rect">
+            <a:avLst/>
+          </a:prstGeom>
+        </p:spPr>
+      </p:pic>
+      <p:pic>
+        <p:nvPicPr>
+          <p:cNvPr id="5" name="Picture 4"/>
+          <p:cNvPicPr>
+            <a:picLocks noChangeAspect="1"/>
+          </p:cNvPicPr>
+          <p:nvPr/>
+        </p:nvPicPr>
+        <p:blipFill>
+          <a:blip r:embed="rId3"/>
+          <a:stretch>
+            <a:fillRect/>
+          </a:stretch>
+        </p:blipFill>
+        <p:spPr>
+          <a:xfrm>
+            <a:off x="685800" y="4495800"/>
+            <a:ext cx="1404280" cy="1013966"/>
+          </a:xfrm>
+          <a:prstGeom prst="rect">
+            <a:avLst/>
+          </a:prstGeom>
+        </p:spPr>
+      </p:pic>
+      <p:cxnSp>
+        <p:nvCxnSpPr>
+          <p:cNvPr id="12" name="Straight Arrow Connector 11"/>
+          <p:cNvCxnSpPr/>
+          <p:nvPr/>
+        </p:nvCxnSpPr>
+        <p:spPr>
+          <a:xfrm>
+            <a:off x="2155360" y="4986861"/>
+            <a:ext cx="587840" cy="15922"/>
+          </a:xfrm>
+          <a:prstGeom prst="straightConnector1">
+            <a:avLst/>
+          </a:prstGeom>
+          <a:ln w="38100">
+            <a:solidFill>
+              <a:srgbClr val="0070C0"/>
+            </a:solidFill>
+            <a:headEnd type="triangle" w="med" len="med"/>
+            <a:tailEnd type="triangle" w="med" len="med"/>
+          </a:ln>
+        </p:spPr>
+        <p:style>
+          <a:lnRef idx="1">
+            <a:schemeClr val="accent1"/>
+          </a:lnRef>
+          <a:fillRef idx="0">
+            <a:schemeClr val="accent1"/>
+          </a:fillRef>
+          <a:effectRef idx="0">
+            <a:schemeClr val="accent1"/>
+          </a:effectRef>
+          <a:fontRef idx="minor">
+            <a:schemeClr val="tx1"/>
+          </a:fontRef>
+        </p:style>
+      </p:cxnSp>
+      <p:sp>
+        <p:nvSpPr>
+          <p:cNvPr id="14" name="TextBox 13"/>
+          <p:cNvSpPr txBox="1"/>
+          <p:nvPr/>
+        </p:nvSpPr>
+        <p:spPr>
+          <a:xfrm>
+            <a:off x="685800" y="5541611"/>
+            <a:ext cx="1154675" cy="646331"/>
+          </a:xfrm>
+          <a:prstGeom prst="rect">
+            <a:avLst/>
+          </a:prstGeom>
+          <a:noFill/>
+        </p:spPr>
+        <p:txBody>
+          <a:bodyPr wrap="none" rtlCol="0">
+            <a:spAutoFit/>
+          </a:bodyPr>
+          <a:lstStyle/>
+          <a:p>
+            <a:r>
+              <a:rPr lang="en-CA" sz="1200" b="1" dirty="0" smtClean="0">
+                <a:solidFill>
+                  <a:srgbClr val="0070C0"/>
+                </a:solidFill>
+              </a:rPr>
+              <a:t>User</a:t>
+            </a:r>
+          </a:p>
+          <a:p>
+            <a:r>
+              <a:rPr lang="en-CA" sz="1200" dirty="0" smtClean="0">
+                <a:solidFill>
+                  <a:srgbClr val="0070C0"/>
+                </a:solidFill>
+              </a:rPr>
+              <a:t>Does not see</a:t>
+            </a:r>
+          </a:p>
+          <a:p>
+            <a:r>
+              <a:rPr lang="en-CA" sz="1200" dirty="0" smtClean="0">
+                <a:solidFill>
+                  <a:srgbClr val="0070C0"/>
+                </a:solidFill>
+              </a:rPr>
+              <a:t>anything wrong</a:t>
+            </a:r>
+            <a:endParaRPr lang="en-US" sz="1200" dirty="0">
+              <a:solidFill>
+                <a:srgbClr val="0070C0"/>
+              </a:solidFill>
+            </a:endParaRPr>
+          </a:p>
+        </p:txBody>
+      </p:sp>
+    </p:spTree>
+    <p:extLst>
+      <p:ext uri="{BB962C8B-B14F-4D97-AF65-F5344CB8AC3E}">
+        <p14:creationId xmlns:p14="http://schemas.microsoft.com/office/powerpoint/2010/main" val="3012256218"/>
+      </p:ext>
+    </p:extLst>
+  </p:cSld>
+  <p:clrMapOvr>
+    <a:masterClrMapping/>
+  </p:clrMapOvr>
+</p:sld>
+</file>
+
+<file path=ppt/slides/slide7.xml><?xml version="1.0" encoding="utf-8"?>
+<p:sld xmlns:a="http://schemas.openxmlformats.org/drawingml/2006/main" xmlns:r="http://schemas.openxmlformats.org/officeDocument/2006/relationships" xmlns:p="http://schemas.openxmlformats.org/presentationml/2006/main">
+  <p:cSld>
+    <p:spTree>
+      <p:nvGrpSpPr>
+        <p:cNvPr id="1" name=""/>
+        <p:cNvGrpSpPr/>
+        <p:nvPr/>
+      </p:nvGrpSpPr>
+      <p:grpSpPr>
+        <a:xfrm>
+          <a:off x="0" y="0"/>
+          <a:ext cx="0" cy="0"/>
+          <a:chOff x="0" y="0"/>
+          <a:chExt cx="0" cy="0"/>
+        </a:xfrm>
+      </p:grpSpPr>
+      <p:sp>
+        <p:nvSpPr>
+          <p:cNvPr id="2" name="Title 1"/>
+          <p:cNvSpPr>
+            <a:spLocks noGrp="1"/>
+          </p:cNvSpPr>
+          <p:nvPr>
+            <p:ph type="title"/>
+          </p:nvPr>
+        </p:nvSpPr>
+        <p:spPr/>
+        <p:txBody>
+          <a:bodyPr/>
+          <a:lstStyle/>
+          <a:p>
+            <a:r>
+              <a:rPr lang="en-CA" dirty="0" smtClean="0"/>
+              <a:t>Adware</a:t>
+            </a:r>
+            <a:endParaRPr lang="en-US" dirty="0"/>
+          </a:p>
+        </p:txBody>
+      </p:sp>
+      <p:sp>
+        <p:nvSpPr>
+          <p:cNvPr id="3" name="Content Placeholder 2"/>
+          <p:cNvSpPr>
+            <a:spLocks noGrp="1"/>
+          </p:cNvSpPr>
+          <p:nvPr>
+            <p:ph idx="1"/>
+          </p:nvPr>
+        </p:nvSpPr>
+        <p:spPr/>
+        <p:txBody>
+          <a:bodyPr>
+            <a:normAutofit/>
+          </a:bodyPr>
+          <a:lstStyle/>
+          <a:p>
+            <a:r>
+              <a:rPr lang="en-CA" sz="2400" dirty="0" smtClean="0"/>
+              <a:t>Scenario 1: An attack on your Web Browser</a:t>
+            </a:r>
+          </a:p>
+          <a:p>
+            <a:pPr lvl="1"/>
+            <a:r>
+              <a:rPr lang="en-CA" sz="2000" dirty="0" smtClean="0"/>
+              <a:t>Takes advantage of default network settings and options</a:t>
+            </a:r>
+          </a:p>
+          <a:p>
+            <a:pPr lvl="1"/>
+            <a:r>
+              <a:rPr lang="en-CA" sz="2000" dirty="0" smtClean="0"/>
+              <a:t>Takes advantage of security weaknesses in browser software</a:t>
+            </a:r>
+            <a:br>
+              <a:rPr lang="en-CA" sz="2000" dirty="0" smtClean="0"/>
+            </a:br>
+            <a:r>
+              <a:rPr lang="en-CA" sz="2000" dirty="0" smtClean="0"/>
+              <a:t>		</a:t>
+            </a:r>
+          </a:p>
+          <a:p>
+            <a:r>
+              <a:rPr lang="en-CA" sz="2400" dirty="0" smtClean="0"/>
+              <a:t>Scenario 2: An attack on legitimate Web Sites</a:t>
+            </a:r>
+          </a:p>
+          <a:p>
+            <a:pPr lvl="1"/>
+            <a:r>
+              <a:rPr lang="en-CA" sz="2000" dirty="0" smtClean="0"/>
+              <a:t>Hack the web server to replace or alter legitimate content</a:t>
+            </a:r>
+          </a:p>
+          <a:p>
+            <a:pPr lvl="3"/>
+            <a:endParaRPr lang="en-CA" sz="1200" dirty="0" smtClean="0"/>
+          </a:p>
+          <a:p>
+            <a:r>
+              <a:rPr lang="en-CA" sz="2400" dirty="0" smtClean="0"/>
+              <a:t>Effects:</a:t>
+            </a:r>
+            <a:endParaRPr lang="en-US" sz="2400" dirty="0"/>
+          </a:p>
+        </p:txBody>
+      </p:sp>
+      <p:pic>
+        <p:nvPicPr>
+          <p:cNvPr id="4" name="Picture 3"/>
+          <p:cNvPicPr>
+            <a:picLocks noChangeAspect="1"/>
+          </p:cNvPicPr>
+          <p:nvPr/>
+        </p:nvPicPr>
+        <p:blipFill>
+          <a:blip r:embed="rId2"/>
+          <a:stretch>
+            <a:fillRect/>
+          </a:stretch>
+        </p:blipFill>
+        <p:spPr>
+          <a:xfrm>
+            <a:off x="1161408" y="4648200"/>
+            <a:ext cx="3276600" cy="1997576"/>
+          </a:xfrm>
+          <a:prstGeom prst="rect">
+            <a:avLst/>
+          </a:prstGeom>
+        </p:spPr>
+      </p:pic>
+      <p:sp>
+        <p:nvSpPr>
+          <p:cNvPr id="5" name="TextBox 4"/>
+          <p:cNvSpPr txBox="1"/>
+          <p:nvPr/>
+        </p:nvSpPr>
+        <p:spPr>
+          <a:xfrm>
+            <a:off x="1832777" y="4166049"/>
+            <a:ext cx="1933863" cy="369332"/>
+          </a:xfrm>
+          <a:prstGeom prst="rect">
+            <a:avLst/>
+          </a:prstGeom>
+          <a:noFill/>
+        </p:spPr>
+        <p:txBody>
+          <a:bodyPr wrap="none" rtlCol="0">
+            <a:spAutoFit/>
+          </a:bodyPr>
+          <a:lstStyle/>
+          <a:p>
+            <a:r>
+              <a:rPr lang="en-CA" b="1" dirty="0" smtClean="0">
+                <a:solidFill>
+                  <a:srgbClr val="0070C0"/>
+                </a:solidFill>
+              </a:rPr>
+              <a:t>Unwanted Popups</a:t>
+            </a:r>
+            <a:endParaRPr lang="en-US" b="1" dirty="0">
+              <a:solidFill>
+                <a:srgbClr val="0070C0"/>
+              </a:solidFill>
+            </a:endParaRPr>
+          </a:p>
+        </p:txBody>
+      </p:sp>
+      <p:pic>
+        <p:nvPicPr>
+          <p:cNvPr id="6" name="Picture 5"/>
+          <p:cNvPicPr>
+            <a:picLocks noChangeAspect="1"/>
+          </p:cNvPicPr>
+          <p:nvPr/>
+        </p:nvPicPr>
+        <p:blipFill>
+          <a:blip r:embed="rId3"/>
+          <a:stretch>
+            <a:fillRect/>
+          </a:stretch>
+        </p:blipFill>
+        <p:spPr>
+          <a:xfrm>
+            <a:off x="5142216" y="4648200"/>
+            <a:ext cx="3200400" cy="1986643"/>
+          </a:xfrm>
+          <a:prstGeom prst="rect">
+            <a:avLst/>
+          </a:prstGeom>
+        </p:spPr>
+      </p:pic>
+      <p:sp>
+        <p:nvSpPr>
+          <p:cNvPr id="7" name="TextBox 6"/>
+          <p:cNvSpPr txBox="1"/>
+          <p:nvPr/>
+        </p:nvSpPr>
+        <p:spPr>
+          <a:xfrm>
+            <a:off x="5259788" y="4166049"/>
+            <a:ext cx="2794868" cy="369332"/>
+          </a:xfrm>
+          <a:prstGeom prst="rect">
+            <a:avLst/>
+          </a:prstGeom>
+          <a:noFill/>
+        </p:spPr>
+        <p:txBody>
+          <a:bodyPr wrap="none" rtlCol="0">
+            <a:spAutoFit/>
+          </a:bodyPr>
+          <a:lstStyle/>
+          <a:p>
+            <a:r>
+              <a:rPr lang="en-CA" b="1" dirty="0" smtClean="0">
+                <a:solidFill>
+                  <a:srgbClr val="0070C0"/>
+                </a:solidFill>
+              </a:rPr>
+              <a:t>Redirect To Unwanted Sites</a:t>
+            </a:r>
+            <a:endParaRPr lang="en-US" b="1" dirty="0">
+              <a:solidFill>
+                <a:srgbClr val="0070C0"/>
+              </a:solidFill>
+            </a:endParaRPr>
+          </a:p>
+        </p:txBody>
+      </p:sp>
+    </p:spTree>
+    <p:extLst>
+      <p:ext uri="{BB962C8B-B14F-4D97-AF65-F5344CB8AC3E}">
+        <p14:creationId xmlns:p14="http://schemas.microsoft.com/office/powerpoint/2010/main" val="1983313616"/>
+      </p:ext>
+    </p:extLst>
+  </p:cSld>
+  <p:clrMapOvr>
+    <a:masterClrMapping/>
+  </p:clrMapOvr>
+</p:sld>
+</file>
+
+<file path=ppt/slides/slide8.xml><?xml version="1.0" encoding="utf-8"?>
+<p:sld xmlns:a="http://schemas.openxmlformats.org/drawingml/2006/main" xmlns:r="http://schemas.openxmlformats.org/officeDocument/2006/relationships" xmlns:p="http://schemas.openxmlformats.org/presentationml/2006/main">
+  <p:cSld>
+    <p:spTree>
+      <p:nvGrpSpPr>
+        <p:cNvPr id="1" name=""/>
+        <p:cNvGrpSpPr/>
+        <p:nvPr/>
+      </p:nvGrpSpPr>
+      <p:grpSpPr>
+        <a:xfrm>
+          <a:off x="0" y="0"/>
+          <a:ext cx="0" cy="0"/>
+          <a:chOff x="0" y="0"/>
+          <a:chExt cx="0" cy="0"/>
+        </a:xfrm>
+      </p:grpSpPr>
+      <p:sp>
+        <p:nvSpPr>
+          <p:cNvPr id="2" name="Title 1"/>
+          <p:cNvSpPr>
+            <a:spLocks noGrp="1"/>
+          </p:cNvSpPr>
+          <p:nvPr>
+            <p:ph type="title"/>
+          </p:nvPr>
+        </p:nvSpPr>
+        <p:spPr/>
+        <p:txBody>
+          <a:bodyPr/>
+          <a:lstStyle/>
+          <a:p>
+            <a:endParaRPr lang="en-US"/>
+          </a:p>
+        </p:txBody>
+      </p:sp>
+      <p:sp>
+        <p:nvSpPr>
+          <p:cNvPr id="3" name="Content Placeholder 2"/>
+          <p:cNvSpPr>
+            <a:spLocks noGrp="1"/>
+          </p:cNvSpPr>
+          <p:nvPr>
+            <p:ph idx="1"/>
+          </p:nvPr>
+        </p:nvSpPr>
+        <p:spPr/>
+        <p:txBody>
+          <a:bodyPr/>
+          <a:lstStyle/>
+          <a:p>
+            <a:endParaRPr lang="en-US"/>
+          </a:p>
+        </p:txBody>
+      </p:sp>
+    </p:spTree>
+    <p:extLst>
+      <p:ext uri="{BB962C8B-B14F-4D97-AF65-F5344CB8AC3E}">
+        <p14:creationId xmlns:p14="http://schemas.microsoft.com/office/powerpoint/2010/main" val="2815136967"/>
+      </p:ext>
+    </p:extLst>
+  </p:cSld>
+  <p:clrMapOvr>
+    <a:masterClrMapping/>
+  </p:clrMapOvr>
+</p:sld>
+</file>
+
+<file path=ppt/slides/slide9.xml><?xml version="1.0" encoding="utf-8"?>
+<p:sld xmlns:a="http://schemas.openxmlformats.org/drawingml/2006/main" xmlns:r="http://schemas.openxmlformats.org/officeDocument/2006/relationships" xmlns:p="http://schemas.openxmlformats.org/presentationml/2006/main">
+  <p:cSld>
+    <p:spTree>
+      <p:nvGrpSpPr>
+        <p:cNvPr id="1" name=""/>
+        <p:cNvGrpSpPr/>
+        <p:nvPr/>
+      </p:nvGrpSpPr>
+      <p:grpSpPr>
+        <a:xfrm>
+          <a:off x="0" y="0"/>
+          <a:ext cx="0" cy="0"/>
+          <a:chOff x="0" y="0"/>
+          <a:chExt cx="0" cy="0"/>
+        </a:xfrm>
+      </p:grpSpPr>
+      <p:sp>
+        <p:nvSpPr>
+          <p:cNvPr id="4" name="Rectangle 3"/>
+          <p:cNvSpPr/>
+          <p:nvPr/>
+        </p:nvSpPr>
+        <p:spPr>
+          <a:xfrm>
+            <a:off x="1143000" y="1447800"/>
+            <a:ext cx="6781800" cy="609600"/>
+          </a:xfrm>
+          <a:prstGeom prst="rect">
+            <a:avLst/>
+          </a:prstGeom>
+          <a:noFill/>
+          <a:ln>
+            <a:solidFill>
+              <a:schemeClr val="tx1"/>
+            </a:solidFill>
+          </a:ln>
+        </p:spPr>
+        <p:style>
+          <a:lnRef idx="2">
+            <a:schemeClr val="accent1">
+              <a:shade val="50000"/>
+            </a:schemeClr>
+          </a:lnRef>
+          <a:fillRef idx="1">
+            <a:schemeClr val="accent1"/>
+          </a:fillRef>
+          <a:effectRef idx="0">
+            <a:schemeClr val="accent1"/>
+          </a:effectRef>
+          <a:fontRef idx="minor">
+            <a:schemeClr val="lt1"/>
+          </a:fontRef>
+        </p:style>
+        <p:txBody>
+          <a:bodyPr rtlCol="0" anchor="ctr"/>
+          <a:lstStyle/>
+          <a:p>
+            <a:pPr algn="ctr"/>
+            <a:endParaRPr lang="en-US"/>
+          </a:p>
+        </p:txBody>
+      </p:sp>
+      <p:sp>
+        <p:nvSpPr>
+          <p:cNvPr id="5" name="Rectangle 4"/>
+          <p:cNvSpPr/>
+          <p:nvPr/>
+        </p:nvSpPr>
+        <p:spPr>
+          <a:xfrm>
+            <a:off x="1295400" y="1600200"/>
+            <a:ext cx="5334000" cy="304800"/>
+          </a:xfrm>
+          <a:prstGeom prst="rect">
+            <a:avLst/>
+          </a:prstGeom>
+          <a:solidFill>
+            <a:schemeClr val="tx2">
+              <a:lumMod val="20000"/>
+              <a:lumOff val="80000"/>
+            </a:schemeClr>
+          </a:solidFill>
+        </p:spPr>
+        <p:style>
+          <a:lnRef idx="2">
+            <a:schemeClr val="accent1">
+              <a:shade val="50000"/>
+            </a:schemeClr>
+          </a:lnRef>
+          <a:fillRef idx="1">
+            <a:schemeClr val="accent1"/>
+          </a:fillRef>
+          <a:effectRef idx="0">
+            <a:schemeClr val="accent1"/>
+          </a:effectRef>
+          <a:fontRef idx="minor">
+            <a:schemeClr val="lt1"/>
+          </a:fontRef>
+        </p:style>
+        <p:txBody>
+          <a:bodyPr rtlCol="0" anchor="ctr"/>
+          <a:lstStyle/>
+          <a:p>
+            <a:pPr algn="ctr"/>
+            <a:endParaRPr lang="en-US"/>
+          </a:p>
+        </p:txBody>
+      </p:sp>
+      <p:sp>
+        <p:nvSpPr>
+          <p:cNvPr id="6" name="Rectangle 5"/>
+          <p:cNvSpPr/>
+          <p:nvPr/>
+        </p:nvSpPr>
+        <p:spPr>
+          <a:xfrm>
+            <a:off x="6629400" y="1600200"/>
+            <a:ext cx="1143000" cy="304800"/>
+          </a:xfrm>
+          <a:prstGeom prst="rect">
+            <a:avLst/>
+          </a:prstGeom>
+          <a:solidFill>
+            <a:schemeClr val="accent2">
+              <a:lumMod val="20000"/>
+              <a:lumOff val="80000"/>
+            </a:schemeClr>
+          </a:solidFill>
+          <a:ln>
+            <a:solidFill>
+              <a:srgbClr val="FF0000"/>
+            </a:solidFill>
+          </a:ln>
+        </p:spPr>
+        <p:style>
+          <a:lnRef idx="2">
+            <a:schemeClr val="accent1">
+              <a:shade val="50000"/>
+            </a:schemeClr>
+          </a:lnRef>
+          <a:fillRef idx="1">
+            <a:schemeClr val="accent1"/>
+          </a:fillRef>
+          <a:effectRef idx="0">
+            <a:schemeClr val="accent1"/>
+          </a:effectRef>
+          <a:fontRef idx="minor">
+            <a:schemeClr val="lt1"/>
+          </a:fontRef>
+        </p:style>
+        <p:txBody>
+          <a:bodyPr rtlCol="0" anchor="ctr"/>
+          <a:lstStyle/>
+          <a:p>
+            <a:pPr algn="ctr"/>
+            <a:endParaRPr lang="en-US"/>
+          </a:p>
+        </p:txBody>
+      </p:sp>
+      <p:sp>
+        <p:nvSpPr>
+          <p:cNvPr id="7" name="TextBox 6"/>
+          <p:cNvSpPr txBox="1"/>
+          <p:nvPr/>
+        </p:nvSpPr>
+        <p:spPr>
+          <a:xfrm>
+            <a:off x="1143000" y="1040094"/>
+            <a:ext cx="5137368" cy="369332"/>
+          </a:xfrm>
+          <a:prstGeom prst="rect">
+            <a:avLst/>
+          </a:prstGeom>
+          <a:noFill/>
+        </p:spPr>
+        <p:txBody>
+          <a:bodyPr wrap="none" rtlCol="0">
+            <a:spAutoFit/>
+          </a:bodyPr>
+          <a:lstStyle/>
+          <a:p>
+            <a:r>
+              <a:rPr lang="en-CA" dirty="0" smtClean="0"/>
+              <a:t>Infected Excel Data File – Looks Like Normal Data File</a:t>
+            </a:r>
+            <a:endParaRPr lang="en-US" dirty="0"/>
+          </a:p>
+        </p:txBody>
+      </p:sp>
+      <p:sp>
+        <p:nvSpPr>
+          <p:cNvPr id="9" name="TextBox 8"/>
+          <p:cNvSpPr txBox="1"/>
+          <p:nvPr/>
+        </p:nvSpPr>
+        <p:spPr>
+          <a:xfrm>
+            <a:off x="1295400" y="2163633"/>
+            <a:ext cx="3487621" cy="830997"/>
+          </a:xfrm>
+          <a:prstGeom prst="rect">
+            <a:avLst/>
+          </a:prstGeom>
+          <a:noFill/>
+        </p:spPr>
+        <p:txBody>
+          <a:bodyPr wrap="none" rtlCol="0">
+            <a:spAutoFit/>
+          </a:bodyPr>
+          <a:lstStyle/>
+          <a:p>
+            <a:r>
+              <a:rPr lang="en-CA" sz="1600" b="1" dirty="0" smtClean="0">
+                <a:solidFill>
+                  <a:srgbClr val="0070C0"/>
+                </a:solidFill>
+              </a:rPr>
+              <a:t>User Data </a:t>
+            </a:r>
+            <a:r>
+              <a:rPr lang="en-CA" sz="1600" dirty="0" smtClean="0">
+                <a:solidFill>
+                  <a:srgbClr val="0070C0"/>
+                </a:solidFill>
+              </a:rPr>
+              <a:t>– Normal (non-infected) data</a:t>
+            </a:r>
+          </a:p>
+          <a:p>
+            <a:r>
+              <a:rPr lang="en-CA" sz="1600" dirty="0" smtClean="0">
+                <a:solidFill>
+                  <a:srgbClr val="0070C0"/>
+                </a:solidFill>
+              </a:rPr>
+              <a:t>Makes the file look like and behave as if</a:t>
+            </a:r>
+            <a:br>
+              <a:rPr lang="en-CA" sz="1600" dirty="0" smtClean="0">
+                <a:solidFill>
+                  <a:srgbClr val="0070C0"/>
+                </a:solidFill>
+              </a:rPr>
+            </a:br>
+            <a:r>
+              <a:rPr lang="en-CA" sz="1600" dirty="0" smtClean="0">
+                <a:solidFill>
+                  <a:srgbClr val="0070C0"/>
+                </a:solidFill>
+              </a:rPr>
+              <a:t>it is a normal file.</a:t>
+            </a:r>
+          </a:p>
+        </p:txBody>
+      </p:sp>
+      <p:sp>
+        <p:nvSpPr>
+          <p:cNvPr id="10" name="TextBox 9"/>
+          <p:cNvSpPr txBox="1"/>
+          <p:nvPr/>
+        </p:nvSpPr>
+        <p:spPr>
+          <a:xfrm>
+            <a:off x="5284747" y="2209800"/>
+            <a:ext cx="2705805" cy="584775"/>
+          </a:xfrm>
+          <a:prstGeom prst="rect">
+            <a:avLst/>
+          </a:prstGeom>
+          <a:noFill/>
+        </p:spPr>
+        <p:txBody>
+          <a:bodyPr wrap="none" rtlCol="0">
+            <a:spAutoFit/>
+          </a:bodyPr>
+          <a:lstStyle/>
+          <a:p>
+            <a:r>
+              <a:rPr lang="en-CA" sz="1600" b="1" dirty="0" smtClean="0">
+                <a:solidFill>
+                  <a:srgbClr val="FF0000"/>
+                </a:solidFill>
+              </a:rPr>
+              <a:t>Virus Code </a:t>
+            </a:r>
+            <a:r>
+              <a:rPr lang="en-CA" sz="1600" dirty="0" smtClean="0">
+                <a:solidFill>
+                  <a:srgbClr val="FF0000"/>
+                </a:solidFill>
+              </a:rPr>
+              <a:t>– Appended to the</a:t>
+            </a:r>
+            <a:br>
+              <a:rPr lang="en-CA" sz="1600" dirty="0" smtClean="0">
+                <a:solidFill>
+                  <a:srgbClr val="FF0000"/>
+                </a:solidFill>
+              </a:rPr>
+            </a:br>
+            <a:r>
+              <a:rPr lang="en-CA" sz="1600" dirty="0" smtClean="0">
+                <a:solidFill>
+                  <a:srgbClr val="FF0000"/>
+                </a:solidFill>
+              </a:rPr>
+              <a:t>end of the data file.</a:t>
+            </a:r>
+            <a:endParaRPr lang="en-US" sz="1600" dirty="0">
+              <a:solidFill>
+                <a:srgbClr val="FF0000"/>
+              </a:solidFill>
+            </a:endParaRPr>
+          </a:p>
+        </p:txBody>
+      </p:sp>
+    </p:spTree>
+    <p:extLst>
+      <p:ext uri="{BB962C8B-B14F-4D97-AF65-F5344CB8AC3E}">
+        <p14:creationId xmlns:p14="http://schemas.microsoft.com/office/powerpoint/2010/main" val="1049206823"/>
       </p:ext>
     </p:extLst>
   </p:cSld>

--- a/Topic A Understanding Computers/A.4 Lesson - Types Of Malware.pptx
+++ b/Topic A Understanding Computers/A.4 Lesson - Types Of Malware.pptx
@@ -5,19 +5,23 @@
     <p:sldMasterId id="2147483648" r:id="rId1"/>
   </p:sldMasterIdLst>
   <p:notesMasterIdLst>
-    <p:notesMasterId r:id="rId12"/>
+    <p:notesMasterId r:id="rId16"/>
   </p:notesMasterIdLst>
   <p:sldIdLst>
-    <p:sldId id="259" r:id="rId2"/>
-    <p:sldId id="260" r:id="rId3"/>
-    <p:sldId id="261" r:id="rId4"/>
-    <p:sldId id="262" r:id="rId5"/>
-    <p:sldId id="263" r:id="rId6"/>
-    <p:sldId id="265" r:id="rId7"/>
-    <p:sldId id="266" r:id="rId8"/>
-    <p:sldId id="268" r:id="rId9"/>
-    <p:sldId id="264" r:id="rId10"/>
-    <p:sldId id="267" r:id="rId11"/>
+    <p:sldId id="269" r:id="rId2"/>
+    <p:sldId id="259" r:id="rId3"/>
+    <p:sldId id="260" r:id="rId4"/>
+    <p:sldId id="261" r:id="rId5"/>
+    <p:sldId id="262" r:id="rId6"/>
+    <p:sldId id="263" r:id="rId7"/>
+    <p:sldId id="265" r:id="rId8"/>
+    <p:sldId id="266" r:id="rId9"/>
+    <p:sldId id="270" r:id="rId10"/>
+    <p:sldId id="271" r:id="rId11"/>
+    <p:sldId id="272" r:id="rId12"/>
+    <p:sldId id="268" r:id="rId13"/>
+    <p:sldId id="264" r:id="rId14"/>
+    <p:sldId id="267" r:id="rId15"/>
   </p:sldIdLst>
   <p:sldSz cx="9144000" cy="6858000" type="screen4x3"/>
   <p:notesSz cx="6858000" cy="9144000"/>
@@ -217,7 +221,7 @@
           <a:p>
             <a:fld id="{02927826-3378-4ECF-BA4E-36C71D5ECCFE}" type="datetimeFigureOut">
               <a:rPr lang="en-US" smtClean="0"/>
-              <a:t>11/12/2019</a:t>
+              <a:t>11/13/2019</a:t>
             </a:fld>
             <a:endParaRPr lang="en-US"/>
           </a:p>
@@ -665,7 +669,7 @@
             <a:fld id="{1D8BD707-D9CF-40AE-B4C6-C98DA3205C09}" type="datetimeFigureOut">
               <a:rPr lang="en-US" smtClean="0"/>
               <a:pPr/>
-              <a:t>11/12/2019</a:t>
+              <a:t>11/13/2019</a:t>
             </a:fld>
             <a:endParaRPr lang="en-US"/>
           </a:p>
@@ -830,7 +834,7 @@
             <a:fld id="{1D8BD707-D9CF-40AE-B4C6-C98DA3205C09}" type="datetimeFigureOut">
               <a:rPr lang="en-US" smtClean="0"/>
               <a:pPr/>
-              <a:t>11/12/2019</a:t>
+              <a:t>11/13/2019</a:t>
             </a:fld>
             <a:endParaRPr lang="en-US"/>
           </a:p>
@@ -1005,7 +1009,7 @@
             <a:fld id="{1D8BD707-D9CF-40AE-B4C6-C98DA3205C09}" type="datetimeFigureOut">
               <a:rPr lang="en-US" smtClean="0"/>
               <a:pPr/>
-              <a:t>11/12/2019</a:t>
+              <a:t>11/13/2019</a:t>
             </a:fld>
             <a:endParaRPr lang="en-US"/>
           </a:p>
@@ -1170,7 +1174,7 @@
             <a:fld id="{1D8BD707-D9CF-40AE-B4C6-C98DA3205C09}" type="datetimeFigureOut">
               <a:rPr lang="en-US" smtClean="0"/>
               <a:pPr/>
-              <a:t>11/12/2019</a:t>
+              <a:t>11/13/2019</a:t>
             </a:fld>
             <a:endParaRPr lang="en-US"/>
           </a:p>
@@ -1412,7 +1416,7 @@
             <a:fld id="{1D8BD707-D9CF-40AE-B4C6-C98DA3205C09}" type="datetimeFigureOut">
               <a:rPr lang="en-US" smtClean="0"/>
               <a:pPr/>
-              <a:t>11/12/2019</a:t>
+              <a:t>11/13/2019</a:t>
             </a:fld>
             <a:endParaRPr lang="en-US"/>
           </a:p>
@@ -1694,7 +1698,7 @@
             <a:fld id="{1D8BD707-D9CF-40AE-B4C6-C98DA3205C09}" type="datetimeFigureOut">
               <a:rPr lang="en-US" smtClean="0"/>
               <a:pPr/>
-              <a:t>11/12/2019</a:t>
+              <a:t>11/13/2019</a:t>
             </a:fld>
             <a:endParaRPr lang="en-US"/>
           </a:p>
@@ -2110,7 +2114,7 @@
             <a:fld id="{1D8BD707-D9CF-40AE-B4C6-C98DA3205C09}" type="datetimeFigureOut">
               <a:rPr lang="en-US" smtClean="0"/>
               <a:pPr/>
-              <a:t>11/12/2019</a:t>
+              <a:t>11/13/2019</a:t>
             </a:fld>
             <a:endParaRPr lang="en-US"/>
           </a:p>
@@ -2224,7 +2228,7 @@
             <a:fld id="{1D8BD707-D9CF-40AE-B4C6-C98DA3205C09}" type="datetimeFigureOut">
               <a:rPr lang="en-US" smtClean="0"/>
               <a:pPr/>
-              <a:t>11/12/2019</a:t>
+              <a:t>11/13/2019</a:t>
             </a:fld>
             <a:endParaRPr lang="en-US"/>
           </a:p>
@@ -2316,7 +2320,7 @@
             <a:fld id="{1D8BD707-D9CF-40AE-B4C6-C98DA3205C09}" type="datetimeFigureOut">
               <a:rPr lang="en-US" smtClean="0"/>
               <a:pPr/>
-              <a:t>11/12/2019</a:t>
+              <a:t>11/13/2019</a:t>
             </a:fld>
             <a:endParaRPr lang="en-US"/>
           </a:p>
@@ -2588,7 +2592,7 @@
             <a:fld id="{1D8BD707-D9CF-40AE-B4C6-C98DA3205C09}" type="datetimeFigureOut">
               <a:rPr lang="en-US" smtClean="0"/>
               <a:pPr/>
-              <a:t>11/12/2019</a:t>
+              <a:t>11/13/2019</a:t>
             </a:fld>
             <a:endParaRPr lang="en-US"/>
           </a:p>
@@ -2837,7 +2841,7 @@
             <a:fld id="{1D8BD707-D9CF-40AE-B4C6-C98DA3205C09}" type="datetimeFigureOut">
               <a:rPr lang="en-US" smtClean="0"/>
               <a:pPr/>
-              <a:t>11/12/2019</a:t>
+              <a:t>11/13/2019</a:t>
             </a:fld>
             <a:endParaRPr lang="en-US"/>
           </a:p>
@@ -3045,7 +3049,7 @@
             <a:fld id="{1D8BD707-D9CF-40AE-B4C6-C98DA3205C09}" type="datetimeFigureOut">
               <a:rPr lang="en-US" smtClean="0"/>
               <a:pPr/>
-              <a:t>11/12/2019</a:t>
+              <a:t>11/13/2019</a:t>
             </a:fld>
             <a:endParaRPr lang="en-US"/>
           </a:p>
@@ -3433,7 +3437,7 @@
           <a:p>
             <a:r>
               <a:rPr lang="en-CA" dirty="0" smtClean="0"/>
-              <a:t>Groups / Malware Types</a:t>
+              <a:t>A.4 Types of Malware</a:t>
             </a:r>
             <a:endParaRPr lang="en-US" dirty="0"/>
           </a:p>
@@ -3451,114 +3455,30 @@
         </p:nvSpPr>
         <p:spPr/>
         <p:txBody>
-          <a:bodyPr>
-            <a:normAutofit fontScale="70000" lnSpcReduction="20000"/>
-          </a:bodyPr>
-          <a:lstStyle/>
-          <a:p>
-            <a:pPr lvl="0"/>
-            <a:r>
-              <a:rPr lang="en-US" dirty="0"/>
-              <a:t>Create a group of 5 students maximum.</a:t>
-            </a:r>
-          </a:p>
-          <a:p>
-            <a:pPr lvl="1"/>
-            <a:r>
-              <a:rPr lang="en-US" dirty="0"/>
-              <a:t>Select your group members for reliability and collaboration skills.</a:t>
-            </a:r>
-            <a:endParaRPr lang="en-US" sz="3600" dirty="0"/>
-          </a:p>
-          <a:p>
-            <a:pPr marL="0" indent="0">
+          <a:bodyPr/>
+          <a:lstStyle/>
+          <a:p>
+            <a:endParaRPr lang="en-CA" dirty="0" smtClean="0"/>
+          </a:p>
+          <a:p>
+            <a:endParaRPr lang="en-CA" dirty="0"/>
+          </a:p>
+          <a:p>
+            <a:pPr marL="0" indent="0" algn="ctr">
               <a:buNone/>
             </a:pPr>
-            <a:endParaRPr lang="en-US" sz="4000" dirty="0"/>
-          </a:p>
-          <a:p>
-            <a:pPr lvl="0"/>
-            <a:r>
-              <a:rPr lang="en-US" dirty="0"/>
-              <a:t>Assign each member of your group a malware type topic from the list below.</a:t>
-            </a:r>
-            <a:endParaRPr lang="en-US" sz="4000" dirty="0"/>
-          </a:p>
-          <a:p>
-            <a:pPr lvl="1"/>
-            <a:r>
-              <a:rPr lang="en-US" dirty="0"/>
-              <a:t>Viruses &amp; Worms</a:t>
-            </a:r>
-            <a:endParaRPr lang="en-US" sz="3600" dirty="0"/>
-          </a:p>
-          <a:p>
-            <a:pPr lvl="1"/>
-            <a:r>
-              <a:rPr lang="en-US" dirty="0"/>
-              <a:t>Trojans, Rootkits &amp; Botnets</a:t>
-            </a:r>
-            <a:endParaRPr lang="en-US" sz="3600" dirty="0"/>
-          </a:p>
-          <a:p>
-            <a:pPr lvl="1"/>
-            <a:r>
-              <a:rPr lang="en-US" dirty="0" err="1"/>
-              <a:t>Ransomware</a:t>
-            </a:r>
-            <a:endParaRPr lang="en-US" sz="3600" dirty="0"/>
-          </a:p>
-          <a:p>
-            <a:pPr lvl="1"/>
-            <a:r>
-              <a:rPr lang="en-US" dirty="0"/>
-              <a:t>Adware, </a:t>
-            </a:r>
-            <a:r>
-              <a:rPr lang="en-US" dirty="0" err="1"/>
-              <a:t>Malvertising</a:t>
-            </a:r>
-            <a:r>
-              <a:rPr lang="en-US" dirty="0"/>
-              <a:t> &amp; Spam</a:t>
-            </a:r>
-            <a:endParaRPr lang="en-US" sz="3600" dirty="0"/>
-          </a:p>
-          <a:p>
-            <a:pPr lvl="1"/>
-            <a:r>
-              <a:rPr lang="en-US" dirty="0"/>
-              <a:t>Spyware</a:t>
-            </a:r>
-            <a:endParaRPr lang="en-US" sz="3600" dirty="0"/>
-          </a:p>
-          <a:p>
-            <a:pPr marL="0" indent="0">
-              <a:buNone/>
-            </a:pPr>
-            <a:r>
-              <a:rPr lang="en-US" dirty="0"/>
-              <a:t> </a:t>
-            </a:r>
-            <a:endParaRPr lang="en-US" sz="4000" dirty="0"/>
-          </a:p>
-          <a:p>
-            <a:pPr lvl="0"/>
-            <a:r>
-              <a:rPr lang="en-US" dirty="0"/>
-              <a:t>Provide the names of your group members and their assigned topic to Mr. Nestor.</a:t>
-            </a:r>
-            <a:endParaRPr lang="en-US" sz="4000" dirty="0"/>
-          </a:p>
-          <a:p>
-            <a:endParaRPr lang="en-US" dirty="0"/>
+            <a:r>
+              <a:rPr lang="en-CA" sz="4800" dirty="0" smtClean="0"/>
+              <a:t>Part 1</a:t>
+            </a:r>
+            <a:endParaRPr lang="en-US" sz="4800" dirty="0"/>
           </a:p>
         </p:txBody>
       </p:sp>
     </p:spTree>
     <p:extLst>
       <p:ext uri="{BB962C8B-B14F-4D97-AF65-F5344CB8AC3E}">
-        <p14:creationId xmlns:p14="http://schemas.microsoft.com/office/powerpoint/2010/main" val="2190264204"/>
+        <p14:creationId xmlns:p14="http://schemas.microsoft.com/office/powerpoint/2010/main" val="2404536285"/>
       </p:ext>
     </p:extLst>
   </p:cSld>
@@ -3569,6 +3489,777 @@
 </file>
 
 <file path=ppt/slides/slide10.xml><?xml version="1.0" encoding="utf-8"?>
+<p:sld xmlns:a="http://schemas.openxmlformats.org/drawingml/2006/main" xmlns:r="http://schemas.openxmlformats.org/officeDocument/2006/relationships" xmlns:p="http://schemas.openxmlformats.org/presentationml/2006/main">
+  <p:cSld>
+    <p:spTree>
+      <p:nvGrpSpPr>
+        <p:cNvPr id="1" name=""/>
+        <p:cNvGrpSpPr/>
+        <p:nvPr/>
+      </p:nvGrpSpPr>
+      <p:grpSpPr>
+        <a:xfrm>
+          <a:off x="0" y="0"/>
+          <a:ext cx="0" cy="0"/>
+          <a:chOff x="0" y="0"/>
+          <a:chExt cx="0" cy="0"/>
+        </a:xfrm>
+      </p:grpSpPr>
+      <p:sp>
+        <p:nvSpPr>
+          <p:cNvPr id="2" name="Title 1"/>
+          <p:cNvSpPr>
+            <a:spLocks noGrp="1"/>
+          </p:cNvSpPr>
+          <p:nvPr>
+            <p:ph type="title"/>
+          </p:nvPr>
+        </p:nvSpPr>
+        <p:spPr/>
+        <p:txBody>
+          <a:bodyPr/>
+          <a:lstStyle/>
+          <a:p>
+            <a:r>
+              <a:rPr lang="en-CA" dirty="0" err="1" smtClean="0"/>
+              <a:t>GitHub</a:t>
+            </a:r>
+            <a:r>
+              <a:rPr lang="en-CA" dirty="0" smtClean="0"/>
+              <a:t> Folder</a:t>
+            </a:r>
+            <a:endParaRPr lang="en-US" dirty="0"/>
+          </a:p>
+        </p:txBody>
+      </p:sp>
+      <p:sp>
+        <p:nvSpPr>
+          <p:cNvPr id="3" name="Content Placeholder 2"/>
+          <p:cNvSpPr>
+            <a:spLocks noGrp="1"/>
+          </p:cNvSpPr>
+          <p:nvPr>
+            <p:ph idx="1"/>
+          </p:nvPr>
+        </p:nvSpPr>
+        <p:spPr/>
+        <p:txBody>
+          <a:bodyPr>
+            <a:normAutofit fontScale="92500" lnSpcReduction="10000"/>
+          </a:bodyPr>
+          <a:lstStyle/>
+          <a:p>
+            <a:pPr marL="514350" indent="-514350">
+              <a:buFont typeface="+mj-lt"/>
+              <a:buAutoNum type="arabicPeriod"/>
+            </a:pPr>
+            <a:r>
+              <a:rPr lang="en-CA" sz="2800" dirty="0" smtClean="0"/>
+              <a:t>Create a folder in your </a:t>
+            </a:r>
+            <a:r>
+              <a:rPr lang="en-CA" sz="2800" dirty="0" err="1" smtClean="0"/>
+              <a:t>GitHub</a:t>
+            </a:r>
+            <a:endParaRPr lang="en-CA" sz="2800" dirty="0" smtClean="0"/>
+          </a:p>
+          <a:p>
+            <a:pPr lvl="1"/>
+            <a:r>
+              <a:rPr lang="en-CA" sz="2400" dirty="0" smtClean="0"/>
+              <a:t>Name the Folder "</a:t>
+            </a:r>
+            <a:r>
+              <a:rPr lang="en-CA" sz="2400" b="1" i="1" dirty="0" smtClean="0"/>
+              <a:t>Malware Types</a:t>
+            </a:r>
+            <a:r>
+              <a:rPr lang="en-CA" sz="2400" dirty="0" smtClean="0"/>
+              <a:t>"</a:t>
+            </a:r>
+          </a:p>
+          <a:p>
+            <a:pPr lvl="1"/>
+            <a:r>
+              <a:rPr lang="en-CA" sz="2400" dirty="0"/>
+              <a:t>Note: This only needs to be done by one member of your group. (All group members can share the one folder)</a:t>
+            </a:r>
+          </a:p>
+          <a:p>
+            <a:pPr lvl="1"/>
+            <a:endParaRPr lang="en-CA" sz="2400" dirty="0"/>
+          </a:p>
+          <a:p>
+            <a:pPr marL="514350" indent="-514350">
+              <a:buFont typeface="+mj-lt"/>
+              <a:buAutoNum type="arabicPeriod"/>
+            </a:pPr>
+            <a:r>
+              <a:rPr lang="en-CA" sz="2800" dirty="0" smtClean="0"/>
+              <a:t>Upload portfolios to this </a:t>
+            </a:r>
+            <a:r>
+              <a:rPr lang="en-CA" sz="2800" dirty="0" err="1" smtClean="0"/>
+              <a:t>GitHub</a:t>
+            </a:r>
+            <a:r>
+              <a:rPr lang="en-CA" sz="2800" dirty="0" smtClean="0"/>
+              <a:t> folder</a:t>
+            </a:r>
+          </a:p>
+          <a:p>
+            <a:pPr lvl="1"/>
+            <a:r>
+              <a:rPr lang="en-CA" sz="2400" dirty="0" smtClean="0"/>
+              <a:t>All group members must upload their portfolio</a:t>
+            </a:r>
+          </a:p>
+          <a:p>
+            <a:pPr lvl="1"/>
+            <a:r>
+              <a:rPr lang="en-CA" sz="2400" dirty="0" smtClean="0"/>
+              <a:t>Save you portfolio with the following name format:</a:t>
+            </a:r>
+            <a:br>
+              <a:rPr lang="en-CA" sz="2400" dirty="0" smtClean="0"/>
+            </a:br>
+            <a:r>
+              <a:rPr lang="en-CA" sz="2400" b="1" i="1" dirty="0" smtClean="0"/>
+              <a:t>"First Name – Malware Type"</a:t>
+            </a:r>
+          </a:p>
+          <a:p>
+            <a:pPr marL="0" indent="0">
+              <a:buNone/>
+            </a:pPr>
+            <a:endParaRPr lang="en-CA" sz="2800" dirty="0"/>
+          </a:p>
+          <a:p>
+            <a:pPr marL="514350" indent="-514350">
+              <a:buFont typeface="+mj-lt"/>
+              <a:buAutoNum type="arabicPeriod" startAt="3"/>
+            </a:pPr>
+            <a:r>
+              <a:rPr lang="en-CA" sz="2800" dirty="0"/>
+              <a:t>L</a:t>
+            </a:r>
+            <a:r>
+              <a:rPr lang="en-CA" sz="2800" dirty="0" smtClean="0"/>
+              <a:t>ist the </a:t>
+            </a:r>
+            <a:r>
+              <a:rPr lang="en-CA" sz="2800" dirty="0" err="1" smtClean="0"/>
+              <a:t>GitHub</a:t>
+            </a:r>
+            <a:r>
+              <a:rPr lang="en-CA" sz="2800" dirty="0" smtClean="0"/>
+              <a:t> folder link on the template handout</a:t>
+            </a:r>
+            <a:endParaRPr lang="en-US" sz="2800" dirty="0"/>
+          </a:p>
+        </p:txBody>
+      </p:sp>
+    </p:spTree>
+    <p:extLst>
+      <p:ext uri="{BB962C8B-B14F-4D97-AF65-F5344CB8AC3E}">
+        <p14:creationId xmlns:p14="http://schemas.microsoft.com/office/powerpoint/2010/main" val="2277427378"/>
+      </p:ext>
+    </p:extLst>
+  </p:cSld>
+  <p:clrMapOvr>
+    <a:masterClrMapping/>
+  </p:clrMapOvr>
+  <p:timing>
+    <p:tnLst>
+      <p:par>
+        <p:cTn id="1" dur="indefinite" restart="never" nodeType="tmRoot"/>
+      </p:par>
+    </p:tnLst>
+  </p:timing>
+</p:sld>
+</file>
+
+<file path=ppt/slides/slide11.xml><?xml version="1.0" encoding="utf-8"?>
+<p:sld xmlns:a="http://schemas.openxmlformats.org/drawingml/2006/main" xmlns:r="http://schemas.openxmlformats.org/officeDocument/2006/relationships" xmlns:p="http://schemas.openxmlformats.org/presentationml/2006/main">
+  <p:cSld>
+    <p:spTree>
+      <p:nvGrpSpPr>
+        <p:cNvPr id="1" name=""/>
+        <p:cNvGrpSpPr/>
+        <p:nvPr/>
+      </p:nvGrpSpPr>
+      <p:grpSpPr>
+        <a:xfrm>
+          <a:off x="0" y="0"/>
+          <a:ext cx="0" cy="0"/>
+          <a:chOff x="0" y="0"/>
+          <a:chExt cx="0" cy="0"/>
+        </a:xfrm>
+      </p:grpSpPr>
+      <p:sp>
+        <p:nvSpPr>
+          <p:cNvPr id="2" name="Title 1"/>
+          <p:cNvSpPr>
+            <a:spLocks noGrp="1"/>
+          </p:cNvSpPr>
+          <p:nvPr>
+            <p:ph type="title"/>
+          </p:nvPr>
+        </p:nvSpPr>
+        <p:spPr/>
+        <p:txBody>
+          <a:bodyPr/>
+          <a:lstStyle/>
+          <a:p>
+            <a:r>
+              <a:rPr lang="en-CA" dirty="0" smtClean="0"/>
+              <a:t>Template Questions</a:t>
+            </a:r>
+            <a:endParaRPr lang="en-US" dirty="0"/>
+          </a:p>
+        </p:txBody>
+      </p:sp>
+      <p:sp>
+        <p:nvSpPr>
+          <p:cNvPr id="3" name="Content Placeholder 2"/>
+          <p:cNvSpPr>
+            <a:spLocks noGrp="1"/>
+          </p:cNvSpPr>
+          <p:nvPr>
+            <p:ph idx="1"/>
+          </p:nvPr>
+        </p:nvSpPr>
+        <p:spPr/>
+        <p:txBody>
+          <a:bodyPr>
+            <a:normAutofit fontScale="85000" lnSpcReduction="20000"/>
+          </a:bodyPr>
+          <a:lstStyle/>
+          <a:p>
+            <a:pPr lvl="0"/>
+            <a:r>
+              <a:rPr lang="en-US" dirty="0" smtClean="0"/>
+              <a:t>Complete </a:t>
+            </a:r>
+            <a:r>
+              <a:rPr lang="en-US" dirty="0"/>
+              <a:t>the table of questions </a:t>
+            </a:r>
+            <a:r>
+              <a:rPr lang="en-US" dirty="0" smtClean="0"/>
+              <a:t>using </a:t>
+            </a:r>
+            <a:r>
+              <a:rPr lang="en-US" dirty="0"/>
+              <a:t>the five different </a:t>
+            </a:r>
+            <a:r>
+              <a:rPr lang="en-US" dirty="0" smtClean="0"/>
+              <a:t>portfolios created </a:t>
+            </a:r>
+            <a:r>
+              <a:rPr lang="en-US" dirty="0"/>
+              <a:t>by your </a:t>
+            </a:r>
+            <a:r>
+              <a:rPr lang="en-US" dirty="0" smtClean="0"/>
+              <a:t>group.</a:t>
+            </a:r>
+          </a:p>
+          <a:p>
+            <a:pPr lvl="1"/>
+            <a:endParaRPr lang="en-US" dirty="0"/>
+          </a:p>
+          <a:p>
+            <a:r>
+              <a:rPr lang="en-US" dirty="0"/>
+              <a:t>Work together as a group to complete each malware type in order</a:t>
+            </a:r>
+          </a:p>
+          <a:p>
+            <a:pPr lvl="1"/>
+            <a:r>
+              <a:rPr lang="en-US" dirty="0"/>
+              <a:t>The </a:t>
+            </a:r>
+            <a:r>
+              <a:rPr lang="en-US" b="1" i="1" dirty="0"/>
+              <a:t>author</a:t>
+            </a:r>
+            <a:r>
+              <a:rPr lang="en-US" dirty="0"/>
+              <a:t> of the malware type portfolio teaches other group members about what they have found out</a:t>
+            </a:r>
+            <a:r>
+              <a:rPr lang="en-US" dirty="0" smtClean="0"/>
+              <a:t>.</a:t>
+            </a:r>
+          </a:p>
+          <a:p>
+            <a:pPr lvl="1"/>
+            <a:endParaRPr lang="en-US" dirty="0"/>
+          </a:p>
+          <a:p>
+            <a:r>
+              <a:rPr lang="en-US" dirty="0" smtClean="0"/>
+              <a:t>Summarize </a:t>
+            </a:r>
+            <a:r>
+              <a:rPr lang="en-US" dirty="0"/>
+              <a:t>(in words) </a:t>
+            </a:r>
+            <a:r>
+              <a:rPr lang="en-US" dirty="0" smtClean="0"/>
+              <a:t>your answers </a:t>
+            </a:r>
+            <a:r>
+              <a:rPr lang="en-US" dirty="0"/>
+              <a:t>to the template questions.</a:t>
+            </a:r>
+          </a:p>
+          <a:p>
+            <a:pPr lvl="1"/>
+            <a:r>
+              <a:rPr lang="en-US" dirty="0" smtClean="0"/>
+              <a:t>The </a:t>
+            </a:r>
+            <a:r>
+              <a:rPr lang="en-US" b="1" i="1" dirty="0" smtClean="0"/>
+              <a:t>author</a:t>
+            </a:r>
+            <a:r>
+              <a:rPr lang="en-US" dirty="0" smtClean="0"/>
+              <a:t> role is switched </a:t>
+            </a:r>
+            <a:r>
+              <a:rPr lang="en-US" dirty="0"/>
+              <a:t>for each malware type portfolio.</a:t>
+            </a:r>
+          </a:p>
+          <a:p>
+            <a:endParaRPr lang="en-US" dirty="0"/>
+          </a:p>
+        </p:txBody>
+      </p:sp>
+    </p:spTree>
+    <p:extLst>
+      <p:ext uri="{BB962C8B-B14F-4D97-AF65-F5344CB8AC3E}">
+        <p14:creationId xmlns:p14="http://schemas.microsoft.com/office/powerpoint/2010/main" val="336677402"/>
+      </p:ext>
+    </p:extLst>
+  </p:cSld>
+  <p:clrMapOvr>
+    <a:masterClrMapping/>
+  </p:clrMapOvr>
+  <p:timing>
+    <p:tnLst>
+      <p:par>
+        <p:cTn id="1" dur="indefinite" restart="never" nodeType="tmRoot"/>
+      </p:par>
+    </p:tnLst>
+  </p:timing>
+</p:sld>
+</file>
+
+<file path=ppt/slides/slide12.xml><?xml version="1.0" encoding="utf-8"?>
+<p:sld xmlns:a="http://schemas.openxmlformats.org/drawingml/2006/main" xmlns:r="http://schemas.openxmlformats.org/officeDocument/2006/relationships" xmlns:p="http://schemas.openxmlformats.org/presentationml/2006/main">
+  <p:cSld>
+    <p:spTree>
+      <p:nvGrpSpPr>
+        <p:cNvPr id="1" name=""/>
+        <p:cNvGrpSpPr/>
+        <p:nvPr/>
+      </p:nvGrpSpPr>
+      <p:grpSpPr>
+        <a:xfrm>
+          <a:off x="0" y="0"/>
+          <a:ext cx="0" cy="0"/>
+          <a:chOff x="0" y="0"/>
+          <a:chExt cx="0" cy="0"/>
+        </a:xfrm>
+      </p:grpSpPr>
+      <p:sp>
+        <p:nvSpPr>
+          <p:cNvPr id="2" name="Title 1"/>
+          <p:cNvSpPr>
+            <a:spLocks noGrp="1"/>
+          </p:cNvSpPr>
+          <p:nvPr>
+            <p:ph type="title"/>
+          </p:nvPr>
+        </p:nvSpPr>
+        <p:spPr/>
+        <p:txBody>
+          <a:bodyPr/>
+          <a:lstStyle/>
+          <a:p>
+            <a:endParaRPr lang="en-US"/>
+          </a:p>
+        </p:txBody>
+      </p:sp>
+      <p:sp>
+        <p:nvSpPr>
+          <p:cNvPr id="3" name="Content Placeholder 2"/>
+          <p:cNvSpPr>
+            <a:spLocks noGrp="1"/>
+          </p:cNvSpPr>
+          <p:nvPr>
+            <p:ph idx="1"/>
+          </p:nvPr>
+        </p:nvSpPr>
+        <p:spPr/>
+        <p:txBody>
+          <a:bodyPr/>
+          <a:lstStyle/>
+          <a:p>
+            <a:endParaRPr lang="en-US"/>
+          </a:p>
+        </p:txBody>
+      </p:sp>
+    </p:spTree>
+    <p:extLst>
+      <p:ext uri="{BB962C8B-B14F-4D97-AF65-F5344CB8AC3E}">
+        <p14:creationId xmlns:p14="http://schemas.microsoft.com/office/powerpoint/2010/main" val="2815136967"/>
+      </p:ext>
+    </p:extLst>
+  </p:cSld>
+  <p:clrMapOvr>
+    <a:masterClrMapping/>
+  </p:clrMapOvr>
+</p:sld>
+</file>
+
+<file path=ppt/slides/slide13.xml><?xml version="1.0" encoding="utf-8"?>
+<p:sld xmlns:a="http://schemas.openxmlformats.org/drawingml/2006/main" xmlns:r="http://schemas.openxmlformats.org/officeDocument/2006/relationships" xmlns:p="http://schemas.openxmlformats.org/presentationml/2006/main">
+  <p:cSld>
+    <p:spTree>
+      <p:nvGrpSpPr>
+        <p:cNvPr id="1" name=""/>
+        <p:cNvGrpSpPr/>
+        <p:nvPr/>
+      </p:nvGrpSpPr>
+      <p:grpSpPr>
+        <a:xfrm>
+          <a:off x="0" y="0"/>
+          <a:ext cx="0" cy="0"/>
+          <a:chOff x="0" y="0"/>
+          <a:chExt cx="0" cy="0"/>
+        </a:xfrm>
+      </p:grpSpPr>
+      <p:sp>
+        <p:nvSpPr>
+          <p:cNvPr id="4" name="Rectangle 3"/>
+          <p:cNvSpPr/>
+          <p:nvPr/>
+        </p:nvSpPr>
+        <p:spPr>
+          <a:xfrm>
+            <a:off x="1143000" y="1447800"/>
+            <a:ext cx="6781800" cy="609600"/>
+          </a:xfrm>
+          <a:prstGeom prst="rect">
+            <a:avLst/>
+          </a:prstGeom>
+          <a:noFill/>
+          <a:ln>
+            <a:solidFill>
+              <a:schemeClr val="tx1"/>
+            </a:solidFill>
+          </a:ln>
+        </p:spPr>
+        <p:style>
+          <a:lnRef idx="2">
+            <a:schemeClr val="accent1">
+              <a:shade val="50000"/>
+            </a:schemeClr>
+          </a:lnRef>
+          <a:fillRef idx="1">
+            <a:schemeClr val="accent1"/>
+          </a:fillRef>
+          <a:effectRef idx="0">
+            <a:schemeClr val="accent1"/>
+          </a:effectRef>
+          <a:fontRef idx="minor">
+            <a:schemeClr val="lt1"/>
+          </a:fontRef>
+        </p:style>
+        <p:txBody>
+          <a:bodyPr rtlCol="0" anchor="ctr"/>
+          <a:lstStyle/>
+          <a:p>
+            <a:pPr algn="ctr"/>
+            <a:endParaRPr lang="en-US"/>
+          </a:p>
+        </p:txBody>
+      </p:sp>
+      <p:sp>
+        <p:nvSpPr>
+          <p:cNvPr id="5" name="Rectangle 4"/>
+          <p:cNvSpPr/>
+          <p:nvPr/>
+        </p:nvSpPr>
+        <p:spPr>
+          <a:xfrm>
+            <a:off x="1295400" y="1600200"/>
+            <a:ext cx="5334000" cy="304800"/>
+          </a:xfrm>
+          <a:prstGeom prst="rect">
+            <a:avLst/>
+          </a:prstGeom>
+          <a:solidFill>
+            <a:schemeClr val="tx2">
+              <a:lumMod val="20000"/>
+              <a:lumOff val="80000"/>
+            </a:schemeClr>
+          </a:solidFill>
+        </p:spPr>
+        <p:style>
+          <a:lnRef idx="2">
+            <a:schemeClr val="accent1">
+              <a:shade val="50000"/>
+            </a:schemeClr>
+          </a:lnRef>
+          <a:fillRef idx="1">
+            <a:schemeClr val="accent1"/>
+          </a:fillRef>
+          <a:effectRef idx="0">
+            <a:schemeClr val="accent1"/>
+          </a:effectRef>
+          <a:fontRef idx="minor">
+            <a:schemeClr val="lt1"/>
+          </a:fontRef>
+        </p:style>
+        <p:txBody>
+          <a:bodyPr rtlCol="0" anchor="ctr"/>
+          <a:lstStyle/>
+          <a:p>
+            <a:pPr algn="ctr"/>
+            <a:endParaRPr lang="en-US"/>
+          </a:p>
+        </p:txBody>
+      </p:sp>
+      <p:sp>
+        <p:nvSpPr>
+          <p:cNvPr id="6" name="Rectangle 5"/>
+          <p:cNvSpPr/>
+          <p:nvPr/>
+        </p:nvSpPr>
+        <p:spPr>
+          <a:xfrm>
+            <a:off x="6629400" y="1600200"/>
+            <a:ext cx="1143000" cy="304800"/>
+          </a:xfrm>
+          <a:prstGeom prst="rect">
+            <a:avLst/>
+          </a:prstGeom>
+          <a:solidFill>
+            <a:schemeClr val="accent2">
+              <a:lumMod val="20000"/>
+              <a:lumOff val="80000"/>
+            </a:schemeClr>
+          </a:solidFill>
+          <a:ln>
+            <a:solidFill>
+              <a:srgbClr val="FF0000"/>
+            </a:solidFill>
+          </a:ln>
+        </p:spPr>
+        <p:style>
+          <a:lnRef idx="2">
+            <a:schemeClr val="accent1">
+              <a:shade val="50000"/>
+            </a:schemeClr>
+          </a:lnRef>
+          <a:fillRef idx="1">
+            <a:schemeClr val="accent1"/>
+          </a:fillRef>
+          <a:effectRef idx="0">
+            <a:schemeClr val="accent1"/>
+          </a:effectRef>
+          <a:fontRef idx="minor">
+            <a:schemeClr val="lt1"/>
+          </a:fontRef>
+        </p:style>
+        <p:txBody>
+          <a:bodyPr rtlCol="0" anchor="ctr"/>
+          <a:lstStyle/>
+          <a:p>
+            <a:pPr algn="ctr"/>
+            <a:endParaRPr lang="en-US"/>
+          </a:p>
+        </p:txBody>
+      </p:sp>
+      <p:sp>
+        <p:nvSpPr>
+          <p:cNvPr id="7" name="TextBox 6"/>
+          <p:cNvSpPr txBox="1"/>
+          <p:nvPr/>
+        </p:nvSpPr>
+        <p:spPr>
+          <a:xfrm>
+            <a:off x="1143000" y="1040094"/>
+            <a:ext cx="5137368" cy="369332"/>
+          </a:xfrm>
+          <a:prstGeom prst="rect">
+            <a:avLst/>
+          </a:prstGeom>
+          <a:noFill/>
+        </p:spPr>
+        <p:txBody>
+          <a:bodyPr wrap="none" rtlCol="0">
+            <a:spAutoFit/>
+          </a:bodyPr>
+          <a:lstStyle/>
+          <a:p>
+            <a:r>
+              <a:rPr lang="en-CA" dirty="0" smtClean="0"/>
+              <a:t>Infected Excel Data File – Looks Like Normal Data File</a:t>
+            </a:r>
+            <a:endParaRPr lang="en-US" dirty="0"/>
+          </a:p>
+        </p:txBody>
+      </p:sp>
+      <p:sp>
+        <p:nvSpPr>
+          <p:cNvPr id="9" name="TextBox 8"/>
+          <p:cNvSpPr txBox="1"/>
+          <p:nvPr/>
+        </p:nvSpPr>
+        <p:spPr>
+          <a:xfrm>
+            <a:off x="1295400" y="2163633"/>
+            <a:ext cx="3487621" cy="830997"/>
+          </a:xfrm>
+          <a:prstGeom prst="rect">
+            <a:avLst/>
+          </a:prstGeom>
+          <a:noFill/>
+        </p:spPr>
+        <p:txBody>
+          <a:bodyPr wrap="none" rtlCol="0">
+            <a:spAutoFit/>
+          </a:bodyPr>
+          <a:lstStyle/>
+          <a:p>
+            <a:r>
+              <a:rPr lang="en-CA" sz="1600" b="1" dirty="0" smtClean="0">
+                <a:solidFill>
+                  <a:srgbClr val="0070C0"/>
+                </a:solidFill>
+              </a:rPr>
+              <a:t>User Data </a:t>
+            </a:r>
+            <a:r>
+              <a:rPr lang="en-CA" sz="1600" dirty="0" smtClean="0">
+                <a:solidFill>
+                  <a:srgbClr val="0070C0"/>
+                </a:solidFill>
+              </a:rPr>
+              <a:t>– Normal (non-infected) data</a:t>
+            </a:r>
+          </a:p>
+          <a:p>
+            <a:r>
+              <a:rPr lang="en-CA" sz="1600" dirty="0" smtClean="0">
+                <a:solidFill>
+                  <a:srgbClr val="0070C0"/>
+                </a:solidFill>
+              </a:rPr>
+              <a:t>Makes the file look like and behave as if</a:t>
+            </a:r>
+            <a:br>
+              <a:rPr lang="en-CA" sz="1600" dirty="0" smtClean="0">
+                <a:solidFill>
+                  <a:srgbClr val="0070C0"/>
+                </a:solidFill>
+              </a:rPr>
+            </a:br>
+            <a:r>
+              <a:rPr lang="en-CA" sz="1600" dirty="0" smtClean="0">
+                <a:solidFill>
+                  <a:srgbClr val="0070C0"/>
+                </a:solidFill>
+              </a:rPr>
+              <a:t>it is a normal file.</a:t>
+            </a:r>
+          </a:p>
+        </p:txBody>
+      </p:sp>
+      <p:sp>
+        <p:nvSpPr>
+          <p:cNvPr id="10" name="TextBox 9"/>
+          <p:cNvSpPr txBox="1"/>
+          <p:nvPr/>
+        </p:nvSpPr>
+        <p:spPr>
+          <a:xfrm>
+            <a:off x="5284747" y="2209800"/>
+            <a:ext cx="2705805" cy="584775"/>
+          </a:xfrm>
+          <a:prstGeom prst="rect">
+            <a:avLst/>
+          </a:prstGeom>
+          <a:noFill/>
+        </p:spPr>
+        <p:txBody>
+          <a:bodyPr wrap="none" rtlCol="0">
+            <a:spAutoFit/>
+          </a:bodyPr>
+          <a:lstStyle/>
+          <a:p>
+            <a:r>
+              <a:rPr lang="en-CA" sz="1600" b="1" dirty="0" smtClean="0">
+                <a:solidFill>
+                  <a:srgbClr val="FF0000"/>
+                </a:solidFill>
+              </a:rPr>
+              <a:t>Virus Code </a:t>
+            </a:r>
+            <a:r>
+              <a:rPr lang="en-CA" sz="1600" dirty="0" smtClean="0">
+                <a:solidFill>
+                  <a:srgbClr val="FF0000"/>
+                </a:solidFill>
+              </a:rPr>
+              <a:t>– Appended to the</a:t>
+            </a:r>
+            <a:br>
+              <a:rPr lang="en-CA" sz="1600" dirty="0" smtClean="0">
+                <a:solidFill>
+                  <a:srgbClr val="FF0000"/>
+                </a:solidFill>
+              </a:rPr>
+            </a:br>
+            <a:r>
+              <a:rPr lang="en-CA" sz="1600" dirty="0" smtClean="0">
+                <a:solidFill>
+                  <a:srgbClr val="FF0000"/>
+                </a:solidFill>
+              </a:rPr>
+              <a:t>end of the data file.</a:t>
+            </a:r>
+            <a:endParaRPr lang="en-US" sz="1600" dirty="0">
+              <a:solidFill>
+                <a:srgbClr val="FF0000"/>
+              </a:solidFill>
+            </a:endParaRPr>
+          </a:p>
+        </p:txBody>
+      </p:sp>
+    </p:spTree>
+    <p:extLst>
+      <p:ext uri="{BB962C8B-B14F-4D97-AF65-F5344CB8AC3E}">
+        <p14:creationId xmlns:p14="http://schemas.microsoft.com/office/powerpoint/2010/main" val="1049206823"/>
+      </p:ext>
+    </p:extLst>
+  </p:cSld>
+  <p:clrMapOvr>
+    <a:masterClrMapping/>
+  </p:clrMapOvr>
+</p:sld>
+</file>
+
+<file path=ppt/slides/slide14.xml><?xml version="1.0" encoding="utf-8"?>
 <p:sld xmlns:a="http://schemas.openxmlformats.org/drawingml/2006/main" xmlns:r="http://schemas.openxmlformats.org/officeDocument/2006/relationships" xmlns:p="http://schemas.openxmlformats.org/presentationml/2006/main">
   <p:cSld>
     <p:spTree>
@@ -4319,7 +5010,7 @@
           <a:p>
             <a:r>
               <a:rPr lang="en-CA" dirty="0" smtClean="0"/>
-              <a:t>Portfolio Details</a:t>
+              <a:t>Groups / Malware Types</a:t>
             </a:r>
             <a:endParaRPr lang="en-US" dirty="0"/>
           </a:p>
@@ -4338,33 +5029,35 @@
         <p:spPr/>
         <p:txBody>
           <a:bodyPr>
-            <a:normAutofit fontScale="85000" lnSpcReduction="20000"/>
+            <a:normAutofit fontScale="70000" lnSpcReduction="20000"/>
           </a:bodyPr>
           <a:lstStyle/>
           <a:p>
             <a:pPr lvl="0"/>
             <a:r>
               <a:rPr lang="en-US" dirty="0"/>
-              <a:t>Create a portfolio about your topic. </a:t>
-            </a:r>
-            <a:r>
-              <a:rPr lang="en-US" dirty="0" smtClean="0"/>
-              <a:t/>
-            </a:r>
-            <a:br>
-              <a:rPr lang="en-US" dirty="0" smtClean="0"/>
-            </a:br>
-            <a:endParaRPr lang="en-US" dirty="0"/>
+              <a:t>Create a group of 5 students maximum.</a:t>
+            </a:r>
+          </a:p>
+          <a:p>
+            <a:pPr lvl="1"/>
+            <a:r>
+              <a:rPr lang="en-US" dirty="0"/>
+              <a:t>Select your group members for reliability and collaboration skills.</a:t>
+            </a:r>
+            <a:endParaRPr lang="en-US" sz="3600" dirty="0"/>
+          </a:p>
+          <a:p>
+            <a:pPr marL="0" indent="0">
+              <a:buNone/>
+            </a:pPr>
+            <a:endParaRPr lang="en-US" sz="4000" dirty="0"/>
           </a:p>
           <a:p>
             <a:pPr lvl="0"/>
             <a:r>
-              <a:rPr lang="en-US" dirty="0" smtClean="0"/>
-              <a:t>A </a:t>
-            </a:r>
-            <a:r>
               <a:rPr lang="en-US" dirty="0"/>
-              <a:t>portfolio is a collection of high quality web resources that includes the following:</a:t>
+              <a:t>Assign each member of your group a malware type topic from the list below.</a:t>
             </a:r>
             <a:endParaRPr lang="en-US" sz="4000" dirty="0"/>
           </a:p>
@@ -4372,7 +5065,7 @@
             <a:pPr lvl="1"/>
             <a:r>
               <a:rPr lang="en-US" dirty="0"/>
-              <a:t>References to web pages from trusted sources.</a:t>
+              <a:t>Viruses &amp; Worms</a:t>
             </a:r>
             <a:endParaRPr lang="en-US" sz="3600" dirty="0"/>
           </a:p>
@@ -4380,15 +5073,31 @@
             <a:pPr lvl="1"/>
             <a:r>
               <a:rPr lang="en-US" dirty="0"/>
-              <a:t>Links to informative videos that are specific to one idea or topic.</a:t>
+              <a:t>Trojans, Rootkits &amp; Botnets</a:t>
             </a:r>
             <a:endParaRPr lang="en-US" sz="3600" dirty="0"/>
           </a:p>
           <a:p>
             <a:pPr lvl="1"/>
             <a:r>
+              <a:rPr lang="en-US" dirty="0" err="1"/>
+              <a:t>Ransomware</a:t>
+            </a:r>
+            <a:endParaRPr lang="en-US" sz="3600" dirty="0"/>
+          </a:p>
+          <a:p>
+            <a:pPr lvl="1"/>
+            <a:r>
               <a:rPr lang="en-US" dirty="0"/>
-              <a:t>Links to news reports or journalistic articles</a:t>
+              <a:t>Adware, </a:t>
+            </a:r>
+            <a:r>
+              <a:rPr lang="en-US" dirty="0" err="1"/>
+              <a:t>Malvertising</a:t>
+            </a:r>
+            <a:r>
+              <a:rPr lang="en-US" dirty="0"/>
+              <a:t> &amp; Spam</a:t>
             </a:r>
             <a:endParaRPr lang="en-US" sz="3600" dirty="0"/>
           </a:p>
@@ -4396,33 +5105,27 @@
             <a:pPr lvl="1"/>
             <a:r>
               <a:rPr lang="en-US" dirty="0"/>
-              <a:t>Links to </a:t>
-            </a:r>
-            <a:r>
-              <a:rPr lang="en-US" dirty="0" err="1"/>
-              <a:t>infographics</a:t>
-            </a:r>
+              <a:t>Spyware</a:t>
+            </a:r>
+            <a:endParaRPr lang="en-US" sz="3600" dirty="0"/>
+          </a:p>
+          <a:p>
+            <a:pPr marL="0" indent="0">
+              <a:buNone/>
+            </a:pPr>
             <a:r>
               <a:rPr lang="en-US" dirty="0"/>
-              <a:t>, images, or other graphic elements</a:t>
-            </a:r>
-            <a:endParaRPr lang="en-US" sz="3600" dirty="0"/>
-          </a:p>
-          <a:p>
-            <a:pPr lvl="1"/>
+              <a:t> </a:t>
+            </a:r>
+            <a:endParaRPr lang="en-US" sz="4000" dirty="0"/>
+          </a:p>
+          <a:p>
+            <a:pPr lvl="0"/>
             <a:r>
               <a:rPr lang="en-US" dirty="0"/>
-              <a:t>The resources must be of high-quality</a:t>
-            </a:r>
-            <a:endParaRPr lang="en-US" sz="3600" dirty="0"/>
-          </a:p>
-          <a:p>
-            <a:pPr lvl="1"/>
-            <a:r>
-              <a:rPr lang="en-US" dirty="0"/>
-              <a:t>Links to the resources may be stored in a Word or PowerPoint document, etc.</a:t>
-            </a:r>
-            <a:endParaRPr lang="en-US" sz="3600" dirty="0"/>
+              <a:t>Provide the names of your group members and their assigned topic to Mr. Nestor.</a:t>
+            </a:r>
+            <a:endParaRPr lang="en-US" sz="4000" dirty="0"/>
           </a:p>
           <a:p>
             <a:endParaRPr lang="en-US" dirty="0"/>
@@ -4432,7 +5135,7 @@
     </p:spTree>
     <p:extLst>
       <p:ext uri="{BB962C8B-B14F-4D97-AF65-F5344CB8AC3E}">
-        <p14:creationId xmlns:p14="http://schemas.microsoft.com/office/powerpoint/2010/main" val="1434373806"/>
+        <p14:creationId xmlns:p14="http://schemas.microsoft.com/office/powerpoint/2010/main" val="2190264204"/>
       </p:ext>
     </p:extLst>
   </p:cSld>
@@ -4476,7 +5179,7 @@
           <a:p>
             <a:r>
               <a:rPr lang="en-CA" dirty="0" smtClean="0"/>
-              <a:t>Portfolio Details (Cont'd)</a:t>
+              <a:t>Portfolio Details</a:t>
             </a:r>
             <a:endParaRPr lang="en-US" dirty="0"/>
           </a:p>
@@ -4495,73 +5198,91 @@
         <p:spPr/>
         <p:txBody>
           <a:bodyPr>
-            <a:normAutofit fontScale="77500" lnSpcReduction="20000"/>
+            <a:normAutofit fontScale="85000" lnSpcReduction="20000"/>
           </a:bodyPr>
           <a:lstStyle/>
           <a:p>
             <a:pPr lvl="0"/>
             <a:r>
               <a:rPr lang="en-US" dirty="0"/>
-              <a:t>Note: You do not have to summarize or write your own content. </a:t>
-            </a:r>
-            <a:endParaRPr lang="en-US" dirty="0" smtClean="0"/>
+              <a:t>Create a portfolio about your topic. </a:t>
+            </a:r>
+            <a:r>
+              <a:rPr lang="en-US" dirty="0" smtClean="0"/>
+              <a:t/>
+            </a:r>
+            <a:br>
+              <a:rPr lang="en-US" dirty="0" smtClean="0"/>
+            </a:br>
+            <a:endParaRPr lang="en-US" dirty="0"/>
           </a:p>
           <a:p>
             <a:pPr lvl="0"/>
-            <a:endParaRPr lang="en-US" dirty="0" smtClean="0"/>
-          </a:p>
-          <a:p>
-            <a:pPr lvl="0"/>
             <a:r>
               <a:rPr lang="en-US" dirty="0" smtClean="0"/>
-              <a:t>Your </a:t>
+              <a:t>A </a:t>
             </a:r>
             <a:r>
               <a:rPr lang="en-US" dirty="0"/>
-              <a:t>assignment will be evaluated on your selection of high-quality resources </a:t>
+              <a:t>portfolio is a collection of high quality web resources that includes the following:</a:t>
             </a:r>
             <a:endParaRPr lang="en-US" sz="4000" dirty="0"/>
           </a:p>
           <a:p>
-            <a:endParaRPr lang="en-US" sz="4000" dirty="0"/>
-          </a:p>
-          <a:p>
-            <a:pPr lvl="0"/>
+            <a:pPr lvl="1"/>
             <a:r>
               <a:rPr lang="en-US" dirty="0"/>
-              <a:t>The audience for your portfolio will be to teach your other group members about your topic.</a:t>
-            </a:r>
-            <a:endParaRPr lang="en-US" sz="4000" dirty="0"/>
+              <a:t>References to web pages from trusted sources.</a:t>
+            </a:r>
+            <a:endParaRPr lang="en-US" sz="3600" dirty="0"/>
           </a:p>
           <a:p>
             <a:pPr lvl="1"/>
             <a:r>
               <a:rPr lang="en-US" dirty="0"/>
-              <a:t>It will be uploaded to </a:t>
+              <a:t>Links to informative videos that are specific to one idea or topic.</a:t>
+            </a:r>
+            <a:endParaRPr lang="en-US" sz="3600" dirty="0"/>
+          </a:p>
+          <a:p>
+            <a:pPr lvl="1"/>
+            <a:r>
+              <a:rPr lang="en-US" dirty="0"/>
+              <a:t>Links to news reports or journalistic articles</a:t>
+            </a:r>
+            <a:endParaRPr lang="en-US" sz="3600" dirty="0"/>
+          </a:p>
+          <a:p>
+            <a:pPr lvl="1"/>
+            <a:r>
+              <a:rPr lang="en-US" dirty="0"/>
+              <a:t>Links to </a:t>
             </a:r>
             <a:r>
               <a:rPr lang="en-US" dirty="0" err="1"/>
-              <a:t>GitHub</a:t>
+              <a:t>infographics</a:t>
             </a:r>
             <a:r>
               <a:rPr lang="en-US" dirty="0"/>
-              <a:t> in Part 2 of this </a:t>
-            </a:r>
-            <a:r>
-              <a:rPr lang="en-US" dirty="0" smtClean="0"/>
-              <a:t>assignment</a:t>
-            </a:r>
+              <a:t>, images, or other graphic elements</a:t>
+            </a:r>
+            <a:endParaRPr lang="en-US" sz="3600" dirty="0"/>
           </a:p>
           <a:p>
             <a:pPr lvl="1"/>
+            <a:r>
+              <a:rPr lang="en-US" dirty="0"/>
+              <a:t>The resources must be of high-quality</a:t>
+            </a:r>
             <a:endParaRPr lang="en-US" sz="3600" dirty="0"/>
           </a:p>
           <a:p>
-            <a:r>
-              <a:rPr lang="en-US" b="1" dirty="0"/>
-              <a:t>Be Prepared To Teach Your Malware Topic To Other Members Of Your Group</a:t>
-            </a:r>
-            <a:endParaRPr lang="en-US" sz="4000" dirty="0"/>
+            <a:pPr lvl="1"/>
+            <a:r>
+              <a:rPr lang="en-US" dirty="0"/>
+              <a:t>Links to the resources may be stored in a Word or PowerPoint document, etc.</a:t>
+            </a:r>
+            <a:endParaRPr lang="en-US" sz="3600" dirty="0"/>
           </a:p>
           <a:p>
             <a:endParaRPr lang="en-US" dirty="0"/>
@@ -4571,7 +5292,7 @@
     </p:spTree>
     <p:extLst>
       <p:ext uri="{BB962C8B-B14F-4D97-AF65-F5344CB8AC3E}">
-        <p14:creationId xmlns:p14="http://schemas.microsoft.com/office/powerpoint/2010/main" val="2537426616"/>
+        <p14:creationId xmlns:p14="http://schemas.microsoft.com/office/powerpoint/2010/main" val="1434373806"/>
       </p:ext>
     </p:extLst>
   </p:cSld>
@@ -4615,6 +5336,145 @@
           <a:p>
             <a:r>
               <a:rPr lang="en-CA" dirty="0" smtClean="0"/>
+              <a:t>Portfolio Details (Cont'd)</a:t>
+            </a:r>
+            <a:endParaRPr lang="en-US" dirty="0"/>
+          </a:p>
+        </p:txBody>
+      </p:sp>
+      <p:sp>
+        <p:nvSpPr>
+          <p:cNvPr id="3" name="Content Placeholder 2"/>
+          <p:cNvSpPr>
+            <a:spLocks noGrp="1"/>
+          </p:cNvSpPr>
+          <p:nvPr>
+            <p:ph idx="1"/>
+          </p:nvPr>
+        </p:nvSpPr>
+        <p:spPr/>
+        <p:txBody>
+          <a:bodyPr>
+            <a:normAutofit fontScale="77500" lnSpcReduction="20000"/>
+          </a:bodyPr>
+          <a:lstStyle/>
+          <a:p>
+            <a:pPr lvl="0"/>
+            <a:r>
+              <a:rPr lang="en-US" dirty="0"/>
+              <a:t>Note: You do not have to summarize or write your own content. </a:t>
+            </a:r>
+            <a:endParaRPr lang="en-US" dirty="0" smtClean="0"/>
+          </a:p>
+          <a:p>
+            <a:pPr lvl="0"/>
+            <a:endParaRPr lang="en-US" dirty="0" smtClean="0"/>
+          </a:p>
+          <a:p>
+            <a:pPr lvl="0"/>
+            <a:r>
+              <a:rPr lang="en-US" dirty="0" smtClean="0"/>
+              <a:t>Your </a:t>
+            </a:r>
+            <a:r>
+              <a:rPr lang="en-US" dirty="0"/>
+              <a:t>assignment will be evaluated on your selection of high-quality resources </a:t>
+            </a:r>
+            <a:endParaRPr lang="en-US" sz="4000" dirty="0"/>
+          </a:p>
+          <a:p>
+            <a:endParaRPr lang="en-US" sz="4000" dirty="0"/>
+          </a:p>
+          <a:p>
+            <a:pPr lvl="0"/>
+            <a:r>
+              <a:rPr lang="en-US" dirty="0"/>
+              <a:t>The audience for your portfolio will be to teach your other group members about your topic.</a:t>
+            </a:r>
+            <a:endParaRPr lang="en-US" sz="4000" dirty="0"/>
+          </a:p>
+          <a:p>
+            <a:pPr lvl="1"/>
+            <a:r>
+              <a:rPr lang="en-US" dirty="0"/>
+              <a:t>It will be uploaded to </a:t>
+            </a:r>
+            <a:r>
+              <a:rPr lang="en-US" dirty="0" err="1"/>
+              <a:t>GitHub</a:t>
+            </a:r>
+            <a:r>
+              <a:rPr lang="en-US" dirty="0"/>
+              <a:t> in Part 2 of this </a:t>
+            </a:r>
+            <a:r>
+              <a:rPr lang="en-US" dirty="0" smtClean="0"/>
+              <a:t>assignment</a:t>
+            </a:r>
+          </a:p>
+          <a:p>
+            <a:pPr lvl="1"/>
+            <a:endParaRPr lang="en-US" sz="3600" dirty="0"/>
+          </a:p>
+          <a:p>
+            <a:r>
+              <a:rPr lang="en-US" b="1" dirty="0"/>
+              <a:t>Be Prepared To Teach Your Malware Topic To Other Members Of Your Group</a:t>
+            </a:r>
+            <a:endParaRPr lang="en-US" sz="4000" dirty="0"/>
+          </a:p>
+          <a:p>
+            <a:endParaRPr lang="en-US" dirty="0"/>
+          </a:p>
+        </p:txBody>
+      </p:sp>
+    </p:spTree>
+    <p:extLst>
+      <p:ext uri="{BB962C8B-B14F-4D97-AF65-F5344CB8AC3E}">
+        <p14:creationId xmlns:p14="http://schemas.microsoft.com/office/powerpoint/2010/main" val="2537426616"/>
+      </p:ext>
+    </p:extLst>
+  </p:cSld>
+  <p:clrMapOvr>
+    <a:masterClrMapping/>
+  </p:clrMapOvr>
+</p:sld>
+</file>
+
+<file path=ppt/slides/slide5.xml><?xml version="1.0" encoding="utf-8"?>
+<p:sld xmlns:a="http://schemas.openxmlformats.org/drawingml/2006/main" xmlns:r="http://schemas.openxmlformats.org/officeDocument/2006/relationships" xmlns:p="http://schemas.openxmlformats.org/presentationml/2006/main">
+  <p:cSld>
+    <p:spTree>
+      <p:nvGrpSpPr>
+        <p:cNvPr id="1" name=""/>
+        <p:cNvGrpSpPr/>
+        <p:nvPr/>
+      </p:nvGrpSpPr>
+      <p:grpSpPr>
+        <a:xfrm>
+          <a:off x="0" y="0"/>
+          <a:ext cx="0" cy="0"/>
+          <a:chOff x="0" y="0"/>
+          <a:chExt cx="0" cy="0"/>
+        </a:xfrm>
+      </p:grpSpPr>
+      <p:sp>
+        <p:nvSpPr>
+          <p:cNvPr id="2" name="Title 1"/>
+          <p:cNvSpPr>
+            <a:spLocks noGrp="1"/>
+          </p:cNvSpPr>
+          <p:nvPr>
+            <p:ph type="title"/>
+          </p:nvPr>
+        </p:nvSpPr>
+        <p:spPr/>
+        <p:txBody>
+          <a:bodyPr/>
+          <a:lstStyle/>
+          <a:p>
+            <a:r>
+              <a:rPr lang="en-CA" dirty="0" smtClean="0"/>
               <a:t>Portfolio Content/Outline</a:t>
             </a:r>
             <a:endParaRPr lang="en-US" dirty="0"/>
@@ -4790,7 +5650,7 @@
 </p:sld>
 </file>
 
-<file path=ppt/slides/slide5.xml><?xml version="1.0" encoding="utf-8"?>
+<file path=ppt/slides/slide6.xml><?xml version="1.0" encoding="utf-8"?>
 <p:sld xmlns:a="http://schemas.openxmlformats.org/drawingml/2006/main" xmlns:r="http://schemas.openxmlformats.org/officeDocument/2006/relationships" xmlns:p="http://schemas.openxmlformats.org/presentationml/2006/main">
   <p:cSld>
     <p:spTree>
@@ -4942,7 +5802,7 @@
 </p:sld>
 </file>
 
-<file path=ppt/slides/slide6.xml><?xml version="1.0" encoding="utf-8"?>
+<file path=ppt/slides/slide7.xml><?xml version="1.0" encoding="utf-8"?>
 <p:sld xmlns:a="http://schemas.openxmlformats.org/drawingml/2006/main" xmlns:r="http://schemas.openxmlformats.org/officeDocument/2006/relationships" xmlns:p="http://schemas.openxmlformats.org/presentationml/2006/main">
   <p:cSld>
     <p:spTree>
@@ -5173,7 +6033,7 @@
 </p:sld>
 </file>
 
-<file path=ppt/slides/slide7.xml><?xml version="1.0" encoding="utf-8"?>
+<file path=ppt/slides/slide8.xml><?xml version="1.0" encoding="utf-8"?>
 <p:sld xmlns:a="http://schemas.openxmlformats.org/drawingml/2006/main" xmlns:r="http://schemas.openxmlformats.org/officeDocument/2006/relationships" xmlns:p="http://schemas.openxmlformats.org/presentationml/2006/main">
   <p:cSld>
     <p:spTree>
@@ -5410,74 +6270,6 @@
     <p:extLst>
       <p:ext uri="{BB962C8B-B14F-4D97-AF65-F5344CB8AC3E}">
         <p14:creationId xmlns:p14="http://schemas.microsoft.com/office/powerpoint/2010/main" val="1983313616"/>
-      </p:ext>
-    </p:extLst>
-  </p:cSld>
-  <p:clrMapOvr>
-    <a:masterClrMapping/>
-  </p:clrMapOvr>
-</p:sld>
-</file>
-
-<file path=ppt/slides/slide8.xml><?xml version="1.0" encoding="utf-8"?>
-<p:sld xmlns:a="http://schemas.openxmlformats.org/drawingml/2006/main" xmlns:r="http://schemas.openxmlformats.org/officeDocument/2006/relationships" xmlns:p="http://schemas.openxmlformats.org/presentationml/2006/main">
-  <p:cSld>
-    <p:spTree>
-      <p:nvGrpSpPr>
-        <p:cNvPr id="1" name=""/>
-        <p:cNvGrpSpPr/>
-        <p:nvPr/>
-      </p:nvGrpSpPr>
-      <p:grpSpPr>
-        <a:xfrm>
-          <a:off x="0" y="0"/>
-          <a:ext cx="0" cy="0"/>
-          <a:chOff x="0" y="0"/>
-          <a:chExt cx="0" cy="0"/>
-        </a:xfrm>
-      </p:grpSpPr>
-      <p:sp>
-        <p:nvSpPr>
-          <p:cNvPr id="2" name="Title 1"/>
-          <p:cNvSpPr>
-            <a:spLocks noGrp="1"/>
-          </p:cNvSpPr>
-          <p:nvPr>
-            <p:ph type="title"/>
-          </p:nvPr>
-        </p:nvSpPr>
-        <p:spPr/>
-        <p:txBody>
-          <a:bodyPr/>
-          <a:lstStyle/>
-          <a:p>
-            <a:endParaRPr lang="en-US"/>
-          </a:p>
-        </p:txBody>
-      </p:sp>
-      <p:sp>
-        <p:nvSpPr>
-          <p:cNvPr id="3" name="Content Placeholder 2"/>
-          <p:cNvSpPr>
-            <a:spLocks noGrp="1"/>
-          </p:cNvSpPr>
-          <p:nvPr>
-            <p:ph idx="1"/>
-          </p:nvPr>
-        </p:nvSpPr>
-        <p:spPr/>
-        <p:txBody>
-          <a:bodyPr/>
-          <a:lstStyle/>
-          <a:p>
-            <a:endParaRPr lang="en-US"/>
-          </a:p>
-        </p:txBody>
-      </p:sp>
-    </p:spTree>
-    <p:extLst>
-      <p:ext uri="{BB962C8B-B14F-4D97-AF65-F5344CB8AC3E}">
-        <p14:creationId xmlns:p14="http://schemas.microsoft.com/office/powerpoint/2010/main" val="2815136967"/>
       </p:ext>
     </p:extLst>
   </p:cSld>
@@ -5506,172 +6298,22 @@
       </p:grpSpPr>
       <p:sp>
         <p:nvSpPr>
-          <p:cNvPr id="4" name="Rectangle 3"/>
-          <p:cNvSpPr/>
-          <p:nvPr/>
-        </p:nvSpPr>
-        <p:spPr>
-          <a:xfrm>
-            <a:off x="1143000" y="1447800"/>
-            <a:ext cx="6781800" cy="609600"/>
-          </a:xfrm>
-          <a:prstGeom prst="rect">
-            <a:avLst/>
-          </a:prstGeom>
-          <a:noFill/>
-          <a:ln>
-            <a:solidFill>
-              <a:schemeClr val="tx1"/>
-            </a:solidFill>
-          </a:ln>
-        </p:spPr>
-        <p:style>
-          <a:lnRef idx="2">
-            <a:schemeClr val="accent1">
-              <a:shade val="50000"/>
-            </a:schemeClr>
-          </a:lnRef>
-          <a:fillRef idx="1">
-            <a:schemeClr val="accent1"/>
-          </a:fillRef>
-          <a:effectRef idx="0">
-            <a:schemeClr val="accent1"/>
-          </a:effectRef>
-          <a:fontRef idx="minor">
-            <a:schemeClr val="lt1"/>
-          </a:fontRef>
-        </p:style>
-        <p:txBody>
-          <a:bodyPr rtlCol="0" anchor="ctr"/>
-          <a:lstStyle/>
-          <a:p>
-            <a:pPr algn="ctr"/>
-            <a:endParaRPr lang="en-US"/>
-          </a:p>
-        </p:txBody>
-      </p:sp>
-      <p:sp>
-        <p:nvSpPr>
-          <p:cNvPr id="5" name="Rectangle 4"/>
-          <p:cNvSpPr/>
-          <p:nvPr/>
-        </p:nvSpPr>
-        <p:spPr>
-          <a:xfrm>
-            <a:off x="1295400" y="1600200"/>
-            <a:ext cx="5334000" cy="304800"/>
-          </a:xfrm>
-          <a:prstGeom prst="rect">
-            <a:avLst/>
-          </a:prstGeom>
-          <a:solidFill>
-            <a:schemeClr val="tx2">
-              <a:lumMod val="20000"/>
-              <a:lumOff val="80000"/>
-            </a:schemeClr>
-          </a:solidFill>
-        </p:spPr>
-        <p:style>
-          <a:lnRef idx="2">
-            <a:schemeClr val="accent1">
-              <a:shade val="50000"/>
-            </a:schemeClr>
-          </a:lnRef>
-          <a:fillRef idx="1">
-            <a:schemeClr val="accent1"/>
-          </a:fillRef>
-          <a:effectRef idx="0">
-            <a:schemeClr val="accent1"/>
-          </a:effectRef>
-          <a:fontRef idx="minor">
-            <a:schemeClr val="lt1"/>
-          </a:fontRef>
-        </p:style>
-        <p:txBody>
-          <a:bodyPr rtlCol="0" anchor="ctr"/>
-          <a:lstStyle/>
-          <a:p>
-            <a:pPr algn="ctr"/>
-            <a:endParaRPr lang="en-US"/>
-          </a:p>
-        </p:txBody>
-      </p:sp>
-      <p:sp>
-        <p:nvSpPr>
-          <p:cNvPr id="6" name="Rectangle 5"/>
-          <p:cNvSpPr/>
-          <p:nvPr/>
-        </p:nvSpPr>
-        <p:spPr>
-          <a:xfrm>
-            <a:off x="6629400" y="1600200"/>
-            <a:ext cx="1143000" cy="304800"/>
-          </a:xfrm>
-          <a:prstGeom prst="rect">
-            <a:avLst/>
-          </a:prstGeom>
-          <a:solidFill>
-            <a:schemeClr val="accent2">
-              <a:lumMod val="20000"/>
-              <a:lumOff val="80000"/>
-            </a:schemeClr>
-          </a:solidFill>
-          <a:ln>
-            <a:solidFill>
-              <a:srgbClr val="FF0000"/>
-            </a:solidFill>
-          </a:ln>
-        </p:spPr>
-        <p:style>
-          <a:lnRef idx="2">
-            <a:schemeClr val="accent1">
-              <a:shade val="50000"/>
-            </a:schemeClr>
-          </a:lnRef>
-          <a:fillRef idx="1">
-            <a:schemeClr val="accent1"/>
-          </a:fillRef>
-          <a:effectRef idx="0">
-            <a:schemeClr val="accent1"/>
-          </a:effectRef>
-          <a:fontRef idx="minor">
-            <a:schemeClr val="lt1"/>
-          </a:fontRef>
-        </p:style>
-        <p:txBody>
-          <a:bodyPr rtlCol="0" anchor="ctr"/>
-          <a:lstStyle/>
-          <a:p>
-            <a:pPr algn="ctr"/>
-            <a:endParaRPr lang="en-US"/>
-          </a:p>
-        </p:txBody>
-      </p:sp>
-      <p:sp>
-        <p:nvSpPr>
-          <p:cNvPr id="7" name="TextBox 6"/>
-          <p:cNvSpPr txBox="1"/>
-          <p:nvPr/>
-        </p:nvSpPr>
-        <p:spPr>
-          <a:xfrm>
-            <a:off x="1143000" y="1040094"/>
-            <a:ext cx="5137368" cy="369332"/>
-          </a:xfrm>
-          <a:prstGeom prst="rect">
-            <a:avLst/>
-          </a:prstGeom>
-          <a:noFill/>
-        </p:spPr>
-        <p:txBody>
-          <a:bodyPr wrap="none" rtlCol="0">
-            <a:spAutoFit/>
-          </a:bodyPr>
+          <p:cNvPr id="2" name="Title 1"/>
+          <p:cNvSpPr>
+            <a:spLocks noGrp="1"/>
+          </p:cNvSpPr>
+          <p:nvPr>
+            <p:ph type="title"/>
+          </p:nvPr>
+        </p:nvSpPr>
+        <p:spPr/>
+        <p:txBody>
+          <a:bodyPr/>
           <a:lstStyle/>
           <a:p>
             <a:r>
               <a:rPr lang="en-CA" dirty="0" smtClean="0"/>
-              <a:t>Infected Excel Data File – Looks Like Normal Data File</a:t>
+              <a:t>A.4 Types of Malware</a:t>
             </a:r>
             <a:endParaRPr lang="en-US" dirty="0"/>
           </a:p>
@@ -5679,141 +6321,53 @@
       </p:sp>
       <p:sp>
         <p:nvSpPr>
-          <p:cNvPr id="9" name="TextBox 8"/>
-          <p:cNvSpPr txBox="1"/>
-          <p:nvPr/>
-        </p:nvSpPr>
-        <p:spPr>
-          <a:xfrm>
-            <a:off x="1295400" y="2163633"/>
-            <a:ext cx="3487621" cy="830997"/>
-          </a:xfrm>
-          <a:prstGeom prst="rect">
-            <a:avLst/>
-          </a:prstGeom>
-          <a:noFill/>
-        </p:spPr>
-        <p:txBody>
-          <a:bodyPr wrap="none" rtlCol="0">
-            <a:spAutoFit/>
-          </a:bodyPr>
-          <a:lstStyle/>
-          <a:p>
-            <a:r>
-              <a:rPr lang="en-CA" sz="1600" b="1" dirty="0" smtClean="0">
-                <a:solidFill>
-                  <a:srgbClr val="0070C0"/>
-                </a:solidFill>
-              </a:rPr>
-              <a:t>User Data </a:t>
-            </a:r>
-            <a:r>
-              <a:rPr lang="en-CA" sz="1600" dirty="0" smtClean="0">
-                <a:solidFill>
-                  <a:srgbClr val="0070C0"/>
-                </a:solidFill>
-              </a:rPr>
-              <a:t>– Normal (non-infected) data</a:t>
-            </a:r>
-          </a:p>
-          <a:p>
-            <a:r>
-              <a:rPr lang="en-CA" sz="1600" dirty="0" smtClean="0">
-                <a:solidFill>
-                  <a:srgbClr val="0070C0"/>
-                </a:solidFill>
-              </a:rPr>
-              <a:t>Makes the file look like and behave as if</a:t>
-            </a:r>
-            <a:br>
-              <a:rPr lang="en-CA" sz="1600" dirty="0" smtClean="0">
-                <a:solidFill>
-                  <a:srgbClr val="0070C0"/>
-                </a:solidFill>
-              </a:rPr>
-            </a:br>
-            <a:r>
-              <a:rPr lang="en-CA" sz="1600" dirty="0" smtClean="0">
-                <a:solidFill>
-                  <a:srgbClr val="0070C0"/>
-                </a:solidFill>
-              </a:rPr>
-              <a:t>it is a normal file.</a:t>
-            </a:r>
-          </a:p>
-        </p:txBody>
-      </p:sp>
-      <p:sp>
-        <p:nvSpPr>
-          <p:cNvPr id="10" name="TextBox 9"/>
-          <p:cNvSpPr txBox="1"/>
-          <p:nvPr/>
-        </p:nvSpPr>
-        <p:spPr>
-          <a:xfrm>
-            <a:off x="5284747" y="2209800"/>
-            <a:ext cx="2705805" cy="584775"/>
-          </a:xfrm>
-          <a:prstGeom prst="rect">
-            <a:avLst/>
-          </a:prstGeom>
-          <a:noFill/>
-        </p:spPr>
-        <p:txBody>
-          <a:bodyPr wrap="none" rtlCol="0">
-            <a:spAutoFit/>
-          </a:bodyPr>
-          <a:lstStyle/>
-          <a:p>
-            <a:r>
-              <a:rPr lang="en-CA" sz="1600" b="1" dirty="0" smtClean="0">
-                <a:solidFill>
-                  <a:srgbClr val="FF0000"/>
-                </a:solidFill>
-              </a:rPr>
-              <a:t>Virus Code </a:t>
-            </a:r>
-            <a:r>
-              <a:rPr lang="en-CA" sz="1600" dirty="0" smtClean="0">
-                <a:solidFill>
-                  <a:srgbClr val="FF0000"/>
-                </a:solidFill>
-              </a:rPr>
-              <a:t>– Appended to the</a:t>
-            </a:r>
-            <a:br>
-              <a:rPr lang="en-CA" sz="1600" dirty="0" smtClean="0">
-                <a:solidFill>
-                  <a:srgbClr val="FF0000"/>
-                </a:solidFill>
-              </a:rPr>
-            </a:br>
-            <a:r>
-              <a:rPr lang="en-CA" sz="1600" dirty="0" smtClean="0">
-                <a:solidFill>
-                  <a:srgbClr val="FF0000"/>
-                </a:solidFill>
-              </a:rPr>
-              <a:t>end of the data file.</a:t>
-            </a:r>
-            <a:endParaRPr lang="en-US" sz="1600" dirty="0">
-              <a:solidFill>
-                <a:srgbClr val="FF0000"/>
-              </a:solidFill>
-            </a:endParaRPr>
+          <p:cNvPr id="3" name="Content Placeholder 2"/>
+          <p:cNvSpPr>
+            <a:spLocks noGrp="1"/>
+          </p:cNvSpPr>
+          <p:nvPr>
+            <p:ph idx="1"/>
+          </p:nvPr>
+        </p:nvSpPr>
+        <p:spPr/>
+        <p:txBody>
+          <a:bodyPr/>
+          <a:lstStyle/>
+          <a:p>
+            <a:endParaRPr lang="en-CA" dirty="0" smtClean="0"/>
+          </a:p>
+          <a:p>
+            <a:endParaRPr lang="en-CA" dirty="0"/>
+          </a:p>
+          <a:p>
+            <a:pPr marL="0" indent="0" algn="ctr">
+              <a:buNone/>
+            </a:pPr>
+            <a:r>
+              <a:rPr lang="en-CA" sz="4800" dirty="0" smtClean="0"/>
+              <a:t>Part 2</a:t>
+            </a:r>
+            <a:endParaRPr lang="en-US" sz="4800" dirty="0"/>
           </a:p>
         </p:txBody>
       </p:sp>
     </p:spTree>
     <p:extLst>
       <p:ext uri="{BB962C8B-B14F-4D97-AF65-F5344CB8AC3E}">
-        <p14:creationId xmlns:p14="http://schemas.microsoft.com/office/powerpoint/2010/main" val="1049206823"/>
+        <p14:creationId xmlns:p14="http://schemas.microsoft.com/office/powerpoint/2010/main" val="117947220"/>
       </p:ext>
     </p:extLst>
   </p:cSld>
   <p:clrMapOvr>
     <a:masterClrMapping/>
   </p:clrMapOvr>
+  <p:timing>
+    <p:tnLst>
+      <p:par>
+        <p:cTn id="1" dur="indefinite" restart="never" nodeType="tmRoot"/>
+      </p:par>
+    </p:tnLst>
+  </p:timing>
 </p:sld>
 </file>
 
